--- a/発表資料_218K6023_河合悠斗.pptx
+++ b/発表資料_218K6023_河合悠斗.pptx
@@ -14,8 +14,8 @@
     <p:sldId id="314" r:id="rId5"/>
     <p:sldId id="264" r:id="rId6"/>
     <p:sldId id="293" r:id="rId7"/>
-    <p:sldId id="265" r:id="rId8"/>
-    <p:sldId id="310" r:id="rId9"/>
+    <p:sldId id="310" r:id="rId8"/>
+    <p:sldId id="319" r:id="rId9"/>
     <p:sldId id="269" r:id="rId10"/>
     <p:sldId id="279" r:id="rId11"/>
     <p:sldId id="316" r:id="rId12"/>
@@ -124,6 +124,11 @@
       </a:defRPr>
     </a:lvl9pPr>
   </p:defaultTextStyle>
+  <p:extLst>
+    <p:ext uri="{EFAFB233-063F-42B5-8137-9DF3F51BA10A}">
+      <p15:sldGuideLst xmlns:p15="http://schemas.microsoft.com/office/powerpoint/2012/main"/>
+    </p:ext>
+  </p:extLst>
 </p:presentation>
 </file>
 
@@ -209,7 +214,7 @@
           <a:p>
             <a:fld id="{AFDEEED1-A971-4D72-8C16-273E544CAABD}" type="datetimeFigureOut">
               <a:rPr kumimoji="1" lang="ja-JP" altLang="en-US" smtClean="0"/>
-              <a:t>2022/1/5</a:t>
+              <a:t>2022/1/31</a:t>
             </a:fld>
             <a:endParaRPr kumimoji="1" lang="ja-JP" altLang="en-US"/>
           </a:p>
@@ -775,6 +780,12 @@
             <a:endParaRPr kumimoji="1" lang="en-US" altLang="ja-JP"/>
           </a:p>
           <a:p>
+            <a:r>
+              <a:rPr kumimoji="1" lang="en-US" altLang="ja-JP"/>
+              <a:t>5:20</a:t>
+            </a:r>
+          </a:p>
+          <a:p>
             <a:endParaRPr kumimoji="1" lang="en-US" altLang="ja-JP"/>
           </a:p>
         </p:txBody>
@@ -960,6 +971,12 @@
             <a:endParaRPr kumimoji="1" lang="en-US" altLang="ja-JP"/>
           </a:p>
           <a:p>
+            <a:r>
+              <a:rPr kumimoji="1" lang="en-US" altLang="ja-JP"/>
+              <a:t>6:00</a:t>
+            </a:r>
+          </a:p>
+          <a:p>
             <a:endParaRPr kumimoji="1" lang="en-US" altLang="ja-JP"/>
           </a:p>
           <a:p>
@@ -1068,7 +1085,7 @@
             </a:r>
             <a:r>
               <a:rPr kumimoji="1" lang="ja-JP" altLang="en-US"/>
-              <a:t>らは両デバイスで表示された数値が同じかどうかユーザーが目視確認</a:t>
+              <a:t>らは目視確認</a:t>
             </a:r>
             <a:r>
               <a:rPr lang="ja-JP" altLang="ja-JP" sz="1800" kern="100">
@@ -1313,6 +1330,10 @@
           <a:bodyPr/>
           <a:lstStyle/>
           <a:p>
+            <a:r>
+              <a:rPr kumimoji="1" lang="en-US" altLang="ja-JP"/>
+              <a:t>6:30</a:t>
+            </a:r>
             <a:endParaRPr kumimoji="1" lang="ja-JP" altLang="en-US"/>
           </a:p>
         </p:txBody>
@@ -1399,14 +1420,14 @@
           <a:p>
             <a:r>
               <a:rPr kumimoji="1" lang="ja-JP" altLang="en-US"/>
-              <a:t>再現実験の結果、秘匿性は満たされていますが、認証性においてはなりすましや再生攻撃が発見されました。</a:t>
+              <a:t>再現実験の結果、秘匿性は満たされていますが、認証性においてはなりすましや再送攻撃が発見されました。</a:t>
             </a:r>
             <a:endParaRPr kumimoji="1" lang="en-US" altLang="ja-JP"/>
           </a:p>
           <a:p>
             <a:r>
               <a:rPr kumimoji="1" lang="ja-JP" altLang="en-US"/>
-              <a:t>これは先行研究で報告されている結果と一致しました。</a:t>
+              <a:t>これは関連研究で報告されている結果と一致しました。</a:t>
             </a:r>
             <a:endParaRPr kumimoji="1" lang="en-US" altLang="ja-JP"/>
           </a:p>
@@ -1424,6 +1445,15 @@
               <a:t>モードを形式化する際の見通しを説明していこうと思います。</a:t>
             </a:r>
             <a:endParaRPr kumimoji="1" lang="en-US" altLang="ja-JP"/>
+          </a:p>
+          <a:p>
+            <a:endParaRPr kumimoji="1" lang="en-US" altLang="ja-JP"/>
+          </a:p>
+          <a:p>
+            <a:r>
+              <a:rPr kumimoji="1" lang="en-US" altLang="ja-JP"/>
+              <a:t>7:00</a:t>
+            </a:r>
           </a:p>
         </p:txBody>
       </p:sp>
@@ -1545,7 +1575,7 @@
                 <a:ea typeface="ＭＳ 明朝" panose="02020609040205080304" pitchFamily="17" charset="-128"/>
                 <a:cs typeface="Times New Roman" panose="02020603050405020304" pitchFamily="18" charset="0"/>
               </a:rPr>
-              <a:t>モードは</a:t>
+              <a:t>モードで異なるのは</a:t>
             </a:r>
             <a:r>
               <a:rPr lang="ja-JP" altLang="ja-JP" sz="1800" kern="100">
@@ -1561,86 +1591,6 @@
                 <a:ea typeface="ＭＳ 明朝" panose="02020609040205080304" pitchFamily="17" charset="-128"/>
                 <a:cs typeface="Times New Roman" panose="02020603050405020304" pitchFamily="18" charset="0"/>
               </a:rPr>
-              <a:t>1</a:t>
-            </a:r>
-            <a:r>
-              <a:rPr lang="ja-JP" altLang="ja-JP" sz="1800" kern="100">
-                <a:effectLst/>
-                <a:ea typeface="ＭＳ 明朝" panose="02020609040205080304" pitchFamily="17" charset="-128"/>
-                <a:cs typeface="Times New Roman" panose="02020603050405020304" pitchFamily="18" charset="0"/>
-              </a:rPr>
-              <a:t>、</a:t>
-            </a:r>
-            <a:r>
-              <a:rPr lang="en-US" altLang="ja-JP" sz="1800" kern="100">
-                <a:effectLst/>
-                <a:ea typeface="ＭＳ 明朝" panose="02020609040205080304" pitchFamily="17" charset="-128"/>
-                <a:cs typeface="Times New Roman" panose="02020603050405020304" pitchFamily="18" charset="0"/>
-              </a:rPr>
-              <a:t>3</a:t>
-            </a:r>
-            <a:r>
-              <a:rPr lang="ja-JP" altLang="ja-JP" sz="1800" kern="100">
-                <a:effectLst/>
-                <a:ea typeface="ＭＳ 明朝" panose="02020609040205080304" pitchFamily="17" charset="-128"/>
-                <a:cs typeface="Times New Roman" panose="02020603050405020304" pitchFamily="18" charset="0"/>
-              </a:rPr>
-              <a:t>、</a:t>
-            </a:r>
-            <a:r>
-              <a:rPr lang="en-US" altLang="ja-JP" sz="1800" kern="100">
-                <a:effectLst/>
-                <a:ea typeface="ＭＳ 明朝" panose="02020609040205080304" pitchFamily="17" charset="-128"/>
-                <a:cs typeface="Times New Roman" panose="02020603050405020304" pitchFamily="18" charset="0"/>
-              </a:rPr>
-              <a:t>4</a:t>
-            </a:r>
-            <a:r>
-              <a:rPr lang="ja-JP" altLang="ja-JP" sz="1800" kern="100">
-                <a:effectLst/>
-                <a:ea typeface="ＭＳ 明朝" panose="02020609040205080304" pitchFamily="17" charset="-128"/>
-                <a:cs typeface="Times New Roman" panose="02020603050405020304" pitchFamily="18" charset="0"/>
-              </a:rPr>
-              <a:t>、</a:t>
-            </a:r>
-            <a:r>
-              <a:rPr lang="en-US" altLang="ja-JP" sz="1800" kern="100">
-                <a:effectLst/>
-                <a:ea typeface="ＭＳ 明朝" panose="02020609040205080304" pitchFamily="17" charset="-128"/>
-                <a:cs typeface="Times New Roman" panose="02020603050405020304" pitchFamily="18" charset="0"/>
-              </a:rPr>
-              <a:t>5</a:t>
-            </a:r>
-            <a:r>
-              <a:rPr lang="ja-JP" altLang="ja-JP" sz="1800" kern="100">
-                <a:effectLst/>
-                <a:ea typeface="ＭＳ 明朝" panose="02020609040205080304" pitchFamily="17" charset="-128"/>
-                <a:cs typeface="Times New Roman" panose="02020603050405020304" pitchFamily="18" charset="0"/>
-              </a:rPr>
-              <a:t>は同じで</a:t>
-            </a:r>
-            <a:r>
-              <a:rPr lang="ja-JP" altLang="en-US" sz="1800" kern="100">
-                <a:effectLst/>
-                <a:ea typeface="ＭＳ 明朝" panose="02020609040205080304" pitchFamily="17" charset="-128"/>
-                <a:cs typeface="Times New Roman" panose="02020603050405020304" pitchFamily="18" charset="0"/>
-              </a:rPr>
-              <a:t>、異なるのは</a:t>
-            </a:r>
-            <a:r>
-              <a:rPr lang="ja-JP" altLang="ja-JP" sz="1800" kern="100">
-                <a:effectLst/>
-                <a:ea typeface="ＭＳ 明朝" panose="02020609040205080304" pitchFamily="17" charset="-128"/>
-                <a:cs typeface="Times New Roman" panose="02020603050405020304" pitchFamily="18" charset="0"/>
-              </a:rPr>
-              <a:t>フェーズ</a:t>
-            </a:r>
-            <a:r>
-              <a:rPr lang="en-US" altLang="ja-JP" sz="1800" kern="100">
-                <a:effectLst/>
-                <a:ea typeface="ＭＳ 明朝" panose="02020609040205080304" pitchFamily="17" charset="-128"/>
-                <a:cs typeface="Times New Roman" panose="02020603050405020304" pitchFamily="18" charset="0"/>
-              </a:rPr>
               <a:t>2</a:t>
             </a:r>
             <a:r>
@@ -1665,7 +1615,15 @@
                 <a:ea typeface="ＭＳ 明朝" panose="02020609040205080304" pitchFamily="17" charset="-128"/>
                 <a:cs typeface="Times New Roman" panose="02020603050405020304" pitchFamily="18" charset="0"/>
               </a:rPr>
-              <a:t>異なる点は、入力した</a:t>
+              <a:t>異なる点は、入力</a:t>
+            </a:r>
+            <a:r>
+              <a:rPr lang="ja-JP" altLang="en-US" sz="1800" kern="100">
+                <a:effectLst/>
+                <a:ea typeface="ＭＳ 明朝" panose="02020609040205080304" pitchFamily="17" charset="-128"/>
+                <a:cs typeface="Times New Roman" panose="02020603050405020304" pitchFamily="18" charset="0"/>
+              </a:rPr>
+              <a:t>された値</a:t>
             </a:r>
             <a:r>
               <a:rPr lang="en-US" altLang="ja-JP" sz="1800" kern="100">
@@ -1681,7 +1639,7 @@
                 <a:ea typeface="ＭＳ 明朝" panose="02020609040205080304" pitchFamily="17" charset="-128"/>
                 <a:cs typeface="Times New Roman" panose="02020603050405020304" pitchFamily="18" charset="0"/>
               </a:rPr>
-              <a:t>のノンスを</a:t>
+              <a:t>を</a:t>
             </a:r>
             <a:r>
               <a:rPr lang="en-US" altLang="ja-JP" sz="1800" kern="100">
@@ -1780,7 +1738,7 @@
             </a:r>
             <a:r>
               <a:rPr kumimoji="1" lang="ja-JP" altLang="en-US"/>
-              <a:t>などのツールを利用した安全性検証を行っていなければ、なりすましや再生攻撃の可能性はあるのではないかと予想されます。</a:t>
+              <a:t>などのツールを利用した安全性検証を行っていなければ、なりすましや再送攻撃の可能性はあるのではないかと予想されます。</a:t>
             </a:r>
           </a:p>
         </p:txBody>
@@ -2121,10 +2079,14 @@
           <a:p>
             <a:r>
               <a:rPr kumimoji="1" lang="ja-JP" altLang="en-US" dirty="0"/>
-              <a:t>そのため、複雑なプロトコルの高度な安全性を証明するため、</a:t>
-            </a:r>
-            <a:r>
-              <a:rPr kumimoji="1" lang="en-US" altLang="ja-JP" dirty="0" err="1"/>
+              <a:t>そのため、複雑なプロトコルの高度な安全性</a:t>
+            </a:r>
+            <a:r>
+              <a:rPr kumimoji="1" lang="ja-JP" altLang="en-US"/>
+              <a:t>を証明したいのですが、人がしゅどうで安全性を証明するのは難しく、間違いが起きるため機械的、自動的に検証することができる</a:t>
+            </a:r>
+            <a:r>
+              <a:rPr kumimoji="1" lang="en-US" altLang="ja-JP"/>
               <a:t>ProVerif</a:t>
             </a:r>
             <a:r>
@@ -2324,8 +2286,20 @@
             </a:r>
             <a:r>
               <a:rPr kumimoji="1" lang="ja-JP" altLang="en-US" dirty="0"/>
-              <a:t>の場合は具体的な攻撃方法が提示されます。</a:t>
-            </a:r>
+              <a:t>の場合は具体的な攻撃方法が提示</a:t>
+            </a:r>
+            <a:r>
+              <a:rPr kumimoji="1" lang="ja-JP" altLang="en-US"/>
+              <a:t>されます。</a:t>
+            </a:r>
+            <a:endParaRPr kumimoji="1" lang="en-US" altLang="ja-JP"/>
+          </a:p>
+          <a:p>
+            <a:r>
+              <a:rPr kumimoji="1" lang="en-US" altLang="ja-JP"/>
+              <a:t>1:30</a:t>
+            </a:r>
+            <a:endParaRPr kumimoji="1" lang="ja-JP" altLang="en-US" dirty="0"/>
           </a:p>
         </p:txBody>
       </p:sp>
@@ -2554,16 +2528,24 @@
               <a:defRPr/>
             </a:pPr>
             <a:r>
+              <a:rPr kumimoji="1" lang="en-US" altLang="ja-JP"/>
+              <a:t>SSP</a:t>
+            </a:r>
+            <a:r>
+              <a:rPr kumimoji="1" lang="ja-JP" altLang="en-US"/>
+              <a:t>の流れ</a:t>
+            </a:r>
+            <a:r>
               <a:rPr kumimoji="1" lang="ja-JP" altLang="en-US" dirty="0"/>
-              <a:t>流れについて説明していきます。</a:t>
-            </a:r>
-            <a:r>
-              <a:rPr kumimoji="1" lang="en-US" altLang="ja-JP" dirty="0"/>
-              <a:t>SSP</a:t>
+              <a:t>について説明して</a:t>
+            </a:r>
+            <a:r>
+              <a:rPr kumimoji="1" lang="ja-JP" altLang="en-US"/>
+              <a:t>いきます。まず</a:t>
             </a:r>
             <a:r>
               <a:rPr kumimoji="1" lang="ja-JP" altLang="en-US" dirty="0"/>
-              <a:t>は５つのフェーズからできています。まず、フェーズ１では楕円曲線</a:t>
+              <a:t>、フェーズ１では楕円曲線</a:t>
             </a:r>
             <a:r>
               <a:rPr kumimoji="1" lang="ja-JP" altLang="en-US"/>
@@ -2571,8 +2553,45 @@
             </a:r>
             <a:r>
               <a:rPr kumimoji="1" lang="ja-JP" altLang="en-US" dirty="0"/>
-              <a:t>よって公開鍵を共有し、フェーズ２ではフェーズ３，４で用いられる値を共有します。</a:t>
-            </a:r>
+              <a:t>よって公開鍵を共有し、フェーズ２</a:t>
+            </a:r>
+            <a:r>
+              <a:rPr kumimoji="1" lang="ja-JP" altLang="en-US"/>
+              <a:t>ではリンクキーの生成で</a:t>
+            </a:r>
+            <a:r>
+              <a:rPr kumimoji="1" lang="ja-JP" altLang="en-US" dirty="0"/>
+              <a:t>用いられる値を共有</a:t>
+            </a:r>
+            <a:r>
+              <a:rPr kumimoji="1" lang="ja-JP" altLang="en-US"/>
+              <a:t>します。その後、リンクキーを生成し、リンクキーを用いて共有鍵の生成を行います。</a:t>
+            </a:r>
+            <a:endParaRPr kumimoji="1" lang="en-US" altLang="ja-JP"/>
+          </a:p>
+          <a:p>
+            <a:pPr marL="0" marR="0" lvl="0" indent="0" algn="l" defTabSz="914400" rtl="0" eaLnBrk="1" fontAlgn="auto" latinLnBrk="0" hangingPunct="1">
+              <a:lnSpc>
+                <a:spcPct val="100000"/>
+              </a:lnSpc>
+              <a:spcBef>
+                <a:spcPts val="0"/>
+              </a:spcBef>
+              <a:spcAft>
+                <a:spcPts val="0"/>
+              </a:spcAft>
+              <a:buClrTx/>
+              <a:buSzTx/>
+              <a:buFontTx/>
+              <a:buNone/>
+              <a:tabLst/>
+              <a:defRPr/>
+            </a:pPr>
+            <a:r>
+              <a:rPr kumimoji="1" lang="en-US" altLang="ja-JP"/>
+              <a:t>2:10</a:t>
+            </a:r>
+            <a:endParaRPr kumimoji="1" lang="ja-JP" altLang="en-US" dirty="0"/>
           </a:p>
         </p:txBody>
       </p:sp>
@@ -2658,7 +2677,15 @@
           <a:p>
             <a:r>
               <a:rPr kumimoji="1" lang="ja-JP" altLang="en-US" dirty="0"/>
-              <a:t>フェーズ２では４つのモードが規定されていて端末が持つユーザインターフェース</a:t>
+              <a:t>フェーズ２</a:t>
+            </a:r>
+            <a:r>
+              <a:rPr kumimoji="1" lang="ja-JP" altLang="en-US"/>
+              <a:t>では２つの代表的なモードがあり、端末</a:t>
+            </a:r>
+            <a:r>
+              <a:rPr kumimoji="1" lang="ja-JP" altLang="en-US" dirty="0"/>
+              <a:t>が持つユーザインターフェース</a:t>
             </a:r>
             <a:r>
               <a:rPr kumimoji="1" lang="en-US" altLang="ja-JP" dirty="0"/>
@@ -2674,79 +2701,82 @@
             </a:r>
             <a:r>
               <a:rPr kumimoji="1" lang="ja-JP" altLang="en-US" dirty="0"/>
-              <a:t>よって使用されるモードが選択されます。その中でも代表的なモードが</a:t>
+              <a:t>よって使用されるモードが選択</a:t>
+            </a:r>
+            <a:r>
+              <a:rPr kumimoji="1" lang="ja-JP" altLang="en-US"/>
+              <a:t>されます。</a:t>
+            </a:r>
+            <a:r>
+              <a:rPr kumimoji="1" lang="en-US" altLang="ja-JP"/>
+              <a:t>Numeric </a:t>
             </a:r>
             <a:r>
               <a:rPr kumimoji="1" lang="en-US" altLang="ja-JP" dirty="0"/>
-              <a:t>Numeric Comparison</a:t>
+              <a:t>Comparison</a:t>
+            </a:r>
+            <a:r>
+              <a:rPr kumimoji="1" lang="ja-JP" altLang="en-US" dirty="0"/>
+              <a:t>モードではマスター側とデバイス側で表示された</a:t>
+            </a:r>
+            <a:r>
+              <a:rPr kumimoji="1" lang="ja-JP" altLang="en-US"/>
+              <a:t>数値を人間の目で値が同じかどうか比較します</a:t>
+            </a:r>
+            <a:r>
+              <a:rPr kumimoji="1" lang="ja-JP" altLang="en-US" dirty="0"/>
+              <a:t>。表示機能のみ持つデバイスで使用され、例えばパソコンとプリンターで利用されます。</a:t>
+            </a:r>
+            <a:r>
+              <a:rPr kumimoji="1" lang="en-US" altLang="ja-JP" dirty="0"/>
+              <a:t>Passkey</a:t>
+            </a:r>
+            <a:r>
+              <a:rPr kumimoji="1" lang="ja-JP" altLang="en-US" dirty="0"/>
+              <a:t> </a:t>
+            </a:r>
+            <a:r>
+              <a:rPr kumimoji="1" lang="en-US" altLang="ja-JP" dirty="0"/>
+              <a:t>entry</a:t>
+            </a:r>
+            <a:r>
+              <a:rPr kumimoji="1" lang="ja-JP" altLang="en-US" dirty="0"/>
+              <a:t>モードはマスター側で表示されたパスキーをデバイスに入力して認証します。キーボードなど入力機能のみ持つデバイスで使用され、例えばテザリングが</a:t>
+            </a:r>
+            <a:r>
+              <a:rPr kumimoji="1" lang="ja-JP" altLang="en-US"/>
+              <a:t>あります。しかし、</a:t>
+            </a:r>
+            <a:r>
+              <a:rPr kumimoji="1" lang="en-US" altLang="ja-JP"/>
+              <a:t>Numeric </a:t>
+            </a:r>
+            <a:r>
+              <a:rPr kumimoji="1" lang="en-US" altLang="ja-JP" dirty="0"/>
+              <a:t>comparison</a:t>
             </a:r>
             <a:r>
               <a:rPr kumimoji="1" lang="ja-JP" altLang="en-US" dirty="0"/>
               <a:t>モードと</a:t>
             </a:r>
             <a:r>
-              <a:rPr kumimoji="1" lang="en-US" altLang="ja-JP" dirty="0"/>
-              <a:t>Passkey Entry</a:t>
-            </a:r>
-            <a:r>
-              <a:rPr kumimoji="1" lang="ja-JP" altLang="en-US" dirty="0"/>
-              <a:t>モードです。</a:t>
-            </a:r>
-            <a:r>
-              <a:rPr kumimoji="1" lang="en-US" altLang="ja-JP" dirty="0"/>
-              <a:t>Numeric Comparison</a:t>
-            </a:r>
-            <a:r>
-              <a:rPr kumimoji="1" lang="ja-JP" altLang="en-US" dirty="0"/>
-              <a:t>モードではマスター側とデバイス側で表示された</a:t>
-            </a:r>
-            <a:r>
-              <a:rPr kumimoji="1" lang="ja-JP" altLang="en-US"/>
-              <a:t>数値を人間の目で値が同じかどうか比較します</a:t>
-            </a:r>
-            <a:r>
-              <a:rPr kumimoji="1" lang="ja-JP" altLang="en-US" dirty="0"/>
-              <a:t>。表示機能のみ持つデバイスで使用され、例えばパソコンとプリンターで利用されます。</a:t>
-            </a:r>
-            <a:r>
-              <a:rPr kumimoji="1" lang="en-US" altLang="ja-JP" dirty="0"/>
-              <a:t>Passkey</a:t>
-            </a:r>
-            <a:r>
-              <a:rPr kumimoji="1" lang="ja-JP" altLang="en-US" dirty="0"/>
-              <a:t> </a:t>
-            </a:r>
-            <a:r>
-              <a:rPr kumimoji="1" lang="en-US" altLang="ja-JP" dirty="0"/>
-              <a:t>entry</a:t>
-            </a:r>
-            <a:r>
-              <a:rPr kumimoji="1" lang="ja-JP" altLang="en-US" dirty="0"/>
-              <a:t>モードはマスター側で表示されたパスキーをデバイスに入力して認証します。キーボードなど入力機能のみ持つデバイスで使用され、例えばテザリングが</a:t>
-            </a:r>
-            <a:r>
-              <a:rPr kumimoji="1" lang="ja-JP" altLang="en-US"/>
-              <a:t>あります。しかし、</a:t>
-            </a:r>
-            <a:r>
-              <a:rPr kumimoji="1" lang="en-US" altLang="ja-JP"/>
-              <a:t>Numeri </a:t>
-            </a:r>
-            <a:r>
-              <a:rPr kumimoji="1" lang="en-US" altLang="ja-JP" dirty="0"/>
-              <a:t>comparison</a:t>
-            </a:r>
-            <a:r>
-              <a:rPr kumimoji="1" lang="ja-JP" altLang="en-US" dirty="0"/>
-              <a:t>モードと</a:t>
-            </a:r>
-            <a:r>
               <a:rPr kumimoji="1" lang="en-US" altLang="ja-JP" dirty="0" err="1"/>
               <a:t>passkeyentry</a:t>
             </a:r>
             <a:r>
               <a:rPr kumimoji="1" lang="ja-JP" altLang="en-US" dirty="0"/>
-              <a:t>モードはともに中間者攻撃の脆弱性があります。</a:t>
+              <a:t>モードはともに中間者攻撃の脆弱性が</a:t>
+            </a:r>
+            <a:r>
+              <a:rPr kumimoji="1" lang="ja-JP" altLang="en-US"/>
+              <a:t>あります。</a:t>
+            </a:r>
+            <a:endParaRPr kumimoji="1" lang="en-US" altLang="ja-JP"/>
+          </a:p>
+          <a:p>
+            <a:r>
+              <a:rPr kumimoji="1" lang="en-US" altLang="ja-JP"/>
+              <a:t>3:00</a:t>
             </a:r>
             <a:endParaRPr kumimoji="1" lang="en-US" altLang="ja-JP" dirty="0"/>
           </a:p>
@@ -2835,30 +2865,107 @@
           <a:bodyPr/>
           <a:lstStyle/>
           <a:p>
-            <a:pPr marL="0" marR="0" lvl="0" indent="0" algn="l" defTabSz="914400" rtl="0" eaLnBrk="1" fontAlgn="auto" latinLnBrk="0" hangingPunct="1">
-              <a:lnSpc>
-                <a:spcPct val="100000"/>
-              </a:lnSpc>
-              <a:spcBef>
-                <a:spcPts val="0"/>
-              </a:spcBef>
-              <a:spcAft>
-                <a:spcPts val="0"/>
-              </a:spcAft>
-              <a:buClrTx/>
-              <a:buSzTx/>
-              <a:buFontTx/>
-              <a:buNone/>
-              <a:tabLst/>
-              <a:defRPr/>
-            </a:pPr>
             <a:r>
               <a:rPr kumimoji="1" lang="ja-JP" altLang="en-US" dirty="0"/>
-              <a:t>フェーズ３では共有したすべての値が端末間で正しく共有できていることを検証します。フェーズ４ではリンクキーを生成し、フェーズ５で認証、暗号化を行います。</a:t>
-            </a:r>
-          </a:p>
-          <a:p>
-            <a:endParaRPr kumimoji="1" lang="ja-JP" altLang="en-US" dirty="0"/>
+              <a:t>関連研究は</a:t>
+            </a:r>
+            <a:r>
+              <a:rPr kumimoji="1" lang="en-US" altLang="ja-JP" dirty="0" err="1"/>
+              <a:t>ProVerif</a:t>
+            </a:r>
+            <a:r>
+              <a:rPr kumimoji="1" lang="ja-JP" altLang="en-US" dirty="0"/>
+              <a:t>を用いた</a:t>
+            </a:r>
+            <a:r>
+              <a:rPr kumimoji="1" lang="en-US" altLang="ja-JP" dirty="0"/>
+              <a:t>Bluetooth</a:t>
+            </a:r>
+            <a:r>
+              <a:rPr kumimoji="1" lang="ja-JP" altLang="en-US" dirty="0"/>
+              <a:t>のセキュアシンプルペアリングの形式的検証です。</a:t>
+            </a:r>
+            <a:endParaRPr kumimoji="1" lang="en-US" altLang="ja-JP" dirty="0"/>
+          </a:p>
+          <a:p>
+            <a:endParaRPr kumimoji="1" lang="en-US" altLang="ja-JP" dirty="0"/>
+          </a:p>
+          <a:p>
+            <a:r>
+              <a:rPr kumimoji="1" lang="ja-JP" altLang="en-US"/>
+              <a:t>内容は</a:t>
+            </a:r>
+            <a:r>
+              <a:rPr kumimoji="1" lang="en-US" altLang="ja-JP"/>
+              <a:t>yeh</a:t>
+            </a:r>
+            <a:r>
+              <a:rPr kumimoji="1" lang="ja-JP" altLang="en-US"/>
+              <a:t>らがオリジナルの改良を行った</a:t>
+            </a:r>
+            <a:r>
+              <a:rPr kumimoji="1" lang="en-US" altLang="ja-JP"/>
+              <a:t>Numeric </a:t>
+            </a:r>
+            <a:r>
+              <a:rPr kumimoji="1" lang="en-US" altLang="ja-JP" dirty="0"/>
+              <a:t>Comparison</a:t>
+            </a:r>
+            <a:r>
+              <a:rPr kumimoji="1" lang="ja-JP" altLang="en-US" dirty="0"/>
+              <a:t>モードを</a:t>
+            </a:r>
+            <a:r>
+              <a:rPr kumimoji="1" lang="en-US" altLang="ja-JP" dirty="0" err="1"/>
+              <a:t>ProVerif</a:t>
+            </a:r>
+            <a:r>
+              <a:rPr kumimoji="1" lang="ja-JP" altLang="en-US" dirty="0"/>
+              <a:t>を用いて検証</a:t>
+            </a:r>
+            <a:r>
+              <a:rPr kumimoji="1" lang="ja-JP" altLang="en-US"/>
+              <a:t>し、なりすましや再送攻撃が</a:t>
+            </a:r>
+            <a:r>
+              <a:rPr kumimoji="1" lang="ja-JP" altLang="en-US" dirty="0"/>
+              <a:t>発見されました。</a:t>
+            </a:r>
+            <a:endParaRPr kumimoji="1" lang="en-US" altLang="ja-JP" dirty="0"/>
+          </a:p>
+          <a:p>
+            <a:r>
+              <a:rPr kumimoji="1" lang="ja-JP" altLang="en-US" dirty="0"/>
+              <a:t>そして、著者</a:t>
+            </a:r>
+            <a:r>
+              <a:rPr kumimoji="1" lang="ja-JP" altLang="en-US"/>
+              <a:t>らがさらに改良</a:t>
+            </a:r>
+            <a:r>
+              <a:rPr kumimoji="1" lang="ja-JP" altLang="en-US" dirty="0"/>
+              <a:t>を行った</a:t>
+            </a:r>
+            <a:r>
+              <a:rPr kumimoji="1" lang="ja-JP" altLang="en-US"/>
+              <a:t>結果、いずれの攻撃も不可能</a:t>
+            </a:r>
+            <a:r>
+              <a:rPr kumimoji="1" lang="ja-JP" altLang="en-US" dirty="0"/>
+              <a:t>と</a:t>
+            </a:r>
+            <a:r>
+              <a:rPr kumimoji="1" lang="ja-JP" altLang="en-US"/>
+              <a:t>なりました。</a:t>
+            </a:r>
+            <a:endParaRPr kumimoji="1" lang="en-US" altLang="ja-JP"/>
+          </a:p>
+          <a:p>
+            <a:r>
+              <a:rPr kumimoji="1" lang="en-US" altLang="ja-JP"/>
+              <a:t>3:30</a:t>
+            </a:r>
+            <a:endParaRPr kumimoji="1" lang="en-US" altLang="ja-JP" dirty="0"/>
           </a:p>
         </p:txBody>
       </p:sp>
@@ -2888,7 +2995,7 @@
     </p:spTree>
     <p:extLst>
       <p:ext uri="{BB962C8B-B14F-4D97-AF65-F5344CB8AC3E}">
-        <p14:creationId xmlns:p14="http://schemas.microsoft.com/office/powerpoint/2010/main" val="2299373227"/>
+        <p14:creationId xmlns:p14="http://schemas.microsoft.com/office/powerpoint/2010/main" val="3449123691"/>
       </p:ext>
     </p:extLst>
   </p:cSld>
@@ -2942,96 +3049,173 @@
           <a:bodyPr/>
           <a:lstStyle/>
           <a:p>
+            <a:pPr marL="0" marR="0" lvl="0" indent="0" algn="l" defTabSz="914400" rtl="0" eaLnBrk="1" fontAlgn="auto" latinLnBrk="0" hangingPunct="1">
+              <a:lnSpc>
+                <a:spcPct val="100000"/>
+              </a:lnSpc>
+              <a:spcBef>
+                <a:spcPts val="0"/>
+              </a:spcBef>
+              <a:spcAft>
+                <a:spcPts val="0"/>
+              </a:spcAft>
+              <a:buClrTx/>
+              <a:buSzTx/>
+              <a:buFontTx/>
+              <a:buNone/>
+              <a:tabLst/>
+              <a:defRPr/>
+            </a:pPr>
+            <a:r>
+              <a:rPr kumimoji="1" lang="ja-JP" altLang="en-US"/>
+              <a:t>それぞれの安全性について表</a:t>
+            </a:r>
             <a:r>
               <a:rPr kumimoji="1" lang="ja-JP" altLang="en-US" dirty="0"/>
-              <a:t>関連研究は</a:t>
-            </a:r>
-            <a:r>
-              <a:rPr kumimoji="1" lang="en-US" altLang="ja-JP" dirty="0" err="1"/>
+              <a:t>で示しました。</a:t>
+            </a:r>
+            <a:endParaRPr kumimoji="1" lang="en-US" altLang="ja-JP" dirty="0"/>
+          </a:p>
+          <a:p>
+            <a:pPr marL="0" marR="0" lvl="0" indent="0" algn="l" defTabSz="914400" rtl="0" eaLnBrk="1" fontAlgn="auto" latinLnBrk="0" hangingPunct="1">
+              <a:lnSpc>
+                <a:spcPct val="100000"/>
+              </a:lnSpc>
+              <a:spcBef>
+                <a:spcPts val="0"/>
+              </a:spcBef>
+              <a:spcAft>
+                <a:spcPts val="0"/>
+              </a:spcAft>
+              <a:buClrTx/>
+              <a:buSzTx/>
+              <a:buFontTx/>
+              <a:buNone/>
+              <a:tabLst/>
+              <a:defRPr/>
+            </a:pPr>
+            <a:r>
+              <a:rPr kumimoji="1" lang="en-US" altLang="ja-JP" dirty="0"/>
+              <a:t>Numeric</a:t>
+            </a:r>
+            <a:r>
+              <a:rPr kumimoji="1" lang="ja-JP" altLang="en-US" dirty="0"/>
+              <a:t>　</a:t>
+            </a:r>
+            <a:r>
+              <a:rPr kumimoji="1" lang="en-US" altLang="ja-JP"/>
+              <a:t>Comparison</a:t>
+            </a:r>
+            <a:r>
+              <a:rPr kumimoji="1" lang="ja-JP" altLang="en-US"/>
+              <a:t>モードについてはオリジナルは中間者攻撃の脆弱性があり、</a:t>
+            </a:r>
+            <a:r>
+              <a:rPr kumimoji="1" lang="en-US" altLang="ja-JP"/>
+              <a:t>Yeh</a:t>
+            </a:r>
+            <a:r>
+              <a:rPr kumimoji="1" lang="ja-JP" altLang="en-US" dirty="0"/>
+              <a:t>らによる</a:t>
+            </a:r>
+            <a:r>
+              <a:rPr kumimoji="1" lang="ja-JP" altLang="en-US"/>
+              <a:t>改良はなりすましや再送攻撃があります。先ほど</a:t>
+            </a:r>
+            <a:r>
+              <a:rPr kumimoji="1" lang="ja-JP" altLang="en-US" dirty="0"/>
+              <a:t>の関連研究によってさらに改良され脆弱性がなくなりました。</a:t>
+            </a:r>
+            <a:endParaRPr kumimoji="1" lang="en-US" altLang="ja-JP" dirty="0"/>
+          </a:p>
+          <a:p>
+            <a:pPr marL="0" marR="0" lvl="0" indent="0" algn="l" defTabSz="914400" rtl="0" eaLnBrk="1" fontAlgn="auto" latinLnBrk="0" hangingPunct="1">
+              <a:lnSpc>
+                <a:spcPct val="100000"/>
+              </a:lnSpc>
+              <a:spcBef>
+                <a:spcPts val="0"/>
+              </a:spcBef>
+              <a:spcAft>
+                <a:spcPts val="0"/>
+              </a:spcAft>
+              <a:buClrTx/>
+              <a:buSzTx/>
+              <a:buFontTx/>
+              <a:buNone/>
+              <a:tabLst/>
+              <a:defRPr/>
+            </a:pPr>
+            <a:r>
+              <a:rPr kumimoji="1" lang="en-US" altLang="ja-JP" dirty="0"/>
+              <a:t>Passkey</a:t>
+            </a:r>
+            <a:r>
+              <a:rPr kumimoji="1" lang="ja-JP" altLang="en-US" dirty="0"/>
+              <a:t>　</a:t>
+            </a:r>
+            <a:r>
+              <a:rPr kumimoji="1" lang="en-US" altLang="ja-JP" dirty="0"/>
+              <a:t>Entry</a:t>
+            </a:r>
+            <a:r>
+              <a:rPr kumimoji="1" lang="ja-JP" altLang="en-US" dirty="0"/>
+              <a:t>モードについてはオリジナルは中間者攻撃があり、改良された論文はいくつかありますが、安全性検証は行われていません。</a:t>
+            </a:r>
+            <a:endParaRPr kumimoji="1" lang="en-US" altLang="ja-JP" dirty="0"/>
+          </a:p>
+          <a:p>
+            <a:pPr marL="0" marR="0" lvl="0" indent="0" algn="l" defTabSz="914400" rtl="0" eaLnBrk="1" fontAlgn="auto" latinLnBrk="0" hangingPunct="1">
+              <a:lnSpc>
+                <a:spcPct val="100000"/>
+              </a:lnSpc>
+              <a:spcBef>
+                <a:spcPts val="0"/>
+              </a:spcBef>
+              <a:spcAft>
+                <a:spcPts val="0"/>
+              </a:spcAft>
+              <a:buClrTx/>
+              <a:buSzTx/>
+              <a:buFontTx/>
+              <a:buNone/>
+              <a:tabLst/>
+              <a:defRPr/>
+            </a:pPr>
+            <a:r>
+              <a:rPr kumimoji="1" lang="ja-JP" altLang="en-US" dirty="0"/>
+              <a:t>そこで私は改良された</a:t>
+            </a:r>
+            <a:r>
+              <a:rPr kumimoji="1" lang="en-US" altLang="ja-JP" dirty="0"/>
+              <a:t>Passkey </a:t>
+            </a:r>
+            <a:r>
+              <a:rPr kumimoji="1" lang="en-US" altLang="ja-JP"/>
+              <a:t>Entry</a:t>
+            </a:r>
+            <a:r>
+              <a:rPr kumimoji="1" lang="ja-JP" altLang="en-US"/>
+              <a:t>モードの</a:t>
+            </a:r>
+            <a:r>
+              <a:rPr kumimoji="1" lang="en-US" altLang="ja-JP"/>
               <a:t>ProVerif</a:t>
             </a:r>
             <a:r>
               <a:rPr kumimoji="1" lang="ja-JP" altLang="en-US" dirty="0"/>
-              <a:t>を用いた</a:t>
-            </a:r>
-            <a:r>
-              <a:rPr kumimoji="1" lang="en-US" altLang="ja-JP" dirty="0"/>
-              <a:t>Bluetooth</a:t>
+              <a:t>に</a:t>
+            </a:r>
+            <a:r>
+              <a:rPr kumimoji="1" lang="ja-JP" altLang="en-US"/>
+              <a:t>よる検証を目標にしてまず</a:t>
             </a:r>
             <a:r>
               <a:rPr kumimoji="1" lang="ja-JP" altLang="en-US" dirty="0"/>
-              <a:t>のセキュアシンプルペアリングの形式的検証です。</a:t>
-            </a:r>
-            <a:endParaRPr kumimoji="1" lang="en-US" altLang="ja-JP" dirty="0"/>
-          </a:p>
-          <a:p>
-            <a:endParaRPr kumimoji="1" lang="en-US" altLang="ja-JP" dirty="0"/>
-          </a:p>
-          <a:p>
-            <a:r>
-              <a:rPr kumimoji="1" lang="ja-JP" altLang="en-US" dirty="0"/>
-              <a:t>内容は</a:t>
-            </a:r>
-            <a:r>
-              <a:rPr kumimoji="1" lang="en-US" altLang="ja-JP" dirty="0"/>
-              <a:t>yeh</a:t>
-            </a:r>
-            <a:r>
-              <a:rPr kumimoji="1" lang="ja-JP" altLang="en-US" dirty="0"/>
-              <a:t>らが改良したセキュアシンプルペアリングの</a:t>
-            </a:r>
-            <a:r>
-              <a:rPr kumimoji="1" lang="en-US" altLang="ja-JP" dirty="0"/>
-              <a:t>Numeric Comparison</a:t>
-            </a:r>
-            <a:r>
-              <a:rPr kumimoji="1" lang="ja-JP" altLang="en-US" dirty="0"/>
-              <a:t>モードを</a:t>
-            </a:r>
-            <a:r>
-              <a:rPr kumimoji="1" lang="en-US" altLang="ja-JP" dirty="0" err="1"/>
-              <a:t>ProVerif</a:t>
-            </a:r>
-            <a:r>
-              <a:rPr kumimoji="1" lang="ja-JP" altLang="en-US" dirty="0"/>
-              <a:t>を用いて検証し、中間者攻撃が発見されました。</a:t>
-            </a:r>
-            <a:endParaRPr kumimoji="1" lang="en-US" altLang="ja-JP" dirty="0"/>
-          </a:p>
-          <a:p>
-            <a:r>
-              <a:rPr kumimoji="1" lang="ja-JP" altLang="en-US" dirty="0"/>
-              <a:t>そして、著者らが改良を行った結果、中間者攻撃が不可能となりました。</a:t>
-            </a:r>
-            <a:endParaRPr kumimoji="1" lang="en-US" altLang="ja-JP" dirty="0"/>
-          </a:p>
-          <a:p>
-            <a:r>
-              <a:rPr kumimoji="1" lang="ja-JP" altLang="en-US" dirty="0"/>
-              <a:t>そこで</a:t>
-            </a:r>
-            <a:r>
-              <a:rPr kumimoji="1" lang="ja-JP" altLang="en-US"/>
-              <a:t>私は改良された</a:t>
-            </a:r>
-            <a:r>
-              <a:rPr kumimoji="1" lang="en-US" altLang="ja-JP"/>
-              <a:t>Passkey Entry</a:t>
-            </a:r>
-            <a:r>
-              <a:rPr kumimoji="1" lang="ja-JP" altLang="en-US"/>
-              <a:t>モードは</a:t>
-            </a:r>
-            <a:r>
-              <a:rPr kumimoji="1" lang="en-US" altLang="ja-JP"/>
-              <a:t>ProVerif</a:t>
-            </a:r>
-            <a:r>
-              <a:rPr kumimoji="1" lang="ja-JP" altLang="en-US"/>
-              <a:t>による検証がされていないため、それに向けてまず、</a:t>
-            </a:r>
-            <a:r>
-              <a:rPr lang="en-US" altLang="ja-JP" sz="1800" kern="100">
+              <a:t>、</a:t>
+            </a:r>
+            <a:r>
+              <a:rPr lang="en-US" altLang="ja-JP" sz="1200" kern="100" dirty="0">
                 <a:effectLst/>
                 <a:latin typeface="ＭＳ 明朝" panose="02020609040205080304" pitchFamily="17" charset="-128"/>
                 <a:cs typeface="Times New Roman" panose="02020603050405020304" pitchFamily="18" charset="0"/>
@@ -3039,7 +3223,7 @@
               <a:t>Yeh</a:t>
             </a:r>
             <a:r>
-              <a:rPr lang="ja-JP" altLang="ja-JP" sz="1800" kern="100">
+              <a:rPr lang="ja-JP" altLang="ja-JP" sz="1200" kern="100" dirty="0">
                 <a:effectLst/>
                 <a:ea typeface="ＭＳ 明朝" panose="02020609040205080304" pitchFamily="17" charset="-128"/>
                 <a:cs typeface="Times New Roman" panose="02020603050405020304" pitchFamily="18" charset="0"/>
@@ -3047,7 +3231,7 @@
               <a:t>らの</a:t>
             </a:r>
             <a:r>
-              <a:rPr lang="en-US" altLang="ja-JP" sz="1800" kern="100">
+              <a:rPr lang="en-US" altLang="ja-JP" sz="1200" kern="100" dirty="0">
                 <a:effectLst/>
                 <a:ea typeface="ＭＳ 明朝" panose="02020609040205080304" pitchFamily="17" charset="-128"/>
                 <a:cs typeface="Times New Roman" panose="02020603050405020304" pitchFamily="18" charset="0"/>
@@ -3055,7 +3239,7 @@
               <a:t>Numeric Comparison</a:t>
             </a:r>
             <a:r>
-              <a:rPr lang="ja-JP" altLang="ja-JP" sz="1800" kern="100">
+              <a:rPr lang="ja-JP" altLang="ja-JP" sz="1200" kern="100" dirty="0">
                 <a:effectLst/>
                 <a:ea typeface="ＭＳ 明朝" panose="02020609040205080304" pitchFamily="17" charset="-128"/>
                 <a:cs typeface="Times New Roman" panose="02020603050405020304" pitchFamily="18" charset="0"/>
@@ -3063,7 +3247,7 @@
               <a:t>モードについて</a:t>
             </a:r>
             <a:r>
-              <a:rPr lang="en-US" altLang="ja-JP" sz="1800" kern="100">
+              <a:rPr lang="en-US" altLang="ja-JP" sz="1200" kern="100" dirty="0" err="1">
                 <a:effectLst/>
                 <a:ea typeface="ＭＳ 明朝" panose="02020609040205080304" pitchFamily="17" charset="-128"/>
                 <a:cs typeface="Times New Roman" panose="02020603050405020304" pitchFamily="18" charset="0"/>
@@ -3071,7 +3255,7 @@
               <a:t>ProVerif</a:t>
             </a:r>
             <a:r>
-              <a:rPr lang="ja-JP" altLang="ja-JP" sz="1800" kern="100">
+              <a:rPr lang="ja-JP" altLang="ja-JP" sz="1200" kern="100" dirty="0">
                 <a:effectLst/>
                 <a:ea typeface="ＭＳ 明朝" panose="02020609040205080304" pitchFamily="17" charset="-128"/>
                 <a:cs typeface="Times New Roman" panose="02020603050405020304" pitchFamily="18" charset="0"/>
@@ -3079,7 +3263,7 @@
               <a:t>を用いた安全性検証の再現実験を</a:t>
             </a:r>
             <a:r>
-              <a:rPr lang="ja-JP" altLang="en-US" sz="1800" kern="100">
+              <a:rPr lang="ja-JP" altLang="en-US" sz="1200" kern="100" dirty="0">
                 <a:effectLst/>
                 <a:ea typeface="ＭＳ 明朝" panose="02020609040205080304" pitchFamily="17" charset="-128"/>
                 <a:cs typeface="Times New Roman" panose="02020603050405020304" pitchFamily="18" charset="0"/>
@@ -3088,6 +3272,13 @@
             </a:r>
             <a:endParaRPr kumimoji="1" lang="en-US" altLang="ja-JP" dirty="0"/>
           </a:p>
+          <a:p>
+            <a:r>
+              <a:rPr kumimoji="1" lang="en-US" altLang="ja-JP"/>
+              <a:t>4:20</a:t>
+            </a:r>
+            <a:endParaRPr kumimoji="1" lang="ja-JP" altLang="en-US" dirty="0"/>
+          </a:p>
         </p:txBody>
       </p:sp>
       <p:sp>
@@ -3105,7 +3296,7 @@
           <a:bodyPr/>
           <a:lstStyle/>
           <a:p>
-            <a:fld id="{959A87C4-1560-47D4-80B6-18BB40D2AB32}" type="slidenum">
+            <a:fld id="{A4C9B12B-E8DA-4B9B-8DE3-6B401CCEA628}" type="slidenum">
               <a:rPr kumimoji="1" lang="ja-JP" altLang="en-US" smtClean="0"/>
               <a:t>8</a:t>
             </a:fld>
@@ -3116,7 +3307,7 @@
     </p:spTree>
     <p:extLst>
       <p:ext uri="{BB962C8B-B14F-4D97-AF65-F5344CB8AC3E}">
-        <p14:creationId xmlns:p14="http://schemas.microsoft.com/office/powerpoint/2010/main" val="3449123691"/>
+        <p14:creationId xmlns:p14="http://schemas.microsoft.com/office/powerpoint/2010/main" val="4166377000"/>
       </p:ext>
     </p:extLst>
   </p:cSld>
@@ -3199,14 +3390,7 @@
           <a:p>
             <a:r>
               <a:rPr kumimoji="1" lang="ja-JP" altLang="en-US"/>
-              <a:t>フェーズ１では楕円曲線ディフィーヘルマン鍵交換を行います。</a:t>
-            </a:r>
-            <a:endParaRPr kumimoji="1" lang="en-US" altLang="ja-JP"/>
-          </a:p>
-          <a:p>
-            <a:r>
-              <a:rPr kumimoji="1" lang="ja-JP" altLang="en-US"/>
-              <a:t>両デバイスは秘密鍵と公開鍵を生成し、</a:t>
+              <a:t>フェーズ１ではまず、両デバイスは秘密鍵と公開鍵を生成します。その後、</a:t>
             </a:r>
             <a:r>
               <a:rPr kumimoji="1" lang="en-US" altLang="ja-JP"/>
@@ -3419,7 +3603,7 @@
           <a:p>
             <a:fld id="{143502D9-B95D-48D0-BEA3-8C170C394F80}" type="datetimeFigureOut">
               <a:rPr kumimoji="1" lang="ja-JP" altLang="en-US" smtClean="0"/>
-              <a:t>2022/1/5</a:t>
+              <a:t>2022/1/31</a:t>
             </a:fld>
             <a:endParaRPr kumimoji="1" lang="ja-JP" altLang="en-US"/>
           </a:p>
@@ -3649,7 +3833,7 @@
           <a:p>
             <a:fld id="{143502D9-B95D-48D0-BEA3-8C170C394F80}" type="datetimeFigureOut">
               <a:rPr kumimoji="1" lang="ja-JP" altLang="en-US" smtClean="0"/>
-              <a:t>2022/1/5</a:t>
+              <a:t>2022/1/31</a:t>
             </a:fld>
             <a:endParaRPr kumimoji="1" lang="ja-JP" altLang="en-US"/>
           </a:p>
@@ -3889,7 +4073,7 @@
           <a:p>
             <a:fld id="{143502D9-B95D-48D0-BEA3-8C170C394F80}" type="datetimeFigureOut">
               <a:rPr kumimoji="1" lang="ja-JP" altLang="en-US" smtClean="0"/>
-              <a:t>2022/1/5</a:t>
+              <a:t>2022/1/31</a:t>
             </a:fld>
             <a:endParaRPr kumimoji="1" lang="ja-JP" altLang="en-US"/>
           </a:p>
@@ -4119,7 +4303,7 @@
           <a:p>
             <a:fld id="{143502D9-B95D-48D0-BEA3-8C170C394F80}" type="datetimeFigureOut">
               <a:rPr kumimoji="1" lang="ja-JP" altLang="en-US" smtClean="0"/>
-              <a:t>2022/1/5</a:t>
+              <a:t>2022/1/31</a:t>
             </a:fld>
             <a:endParaRPr kumimoji="1" lang="ja-JP" altLang="en-US"/>
           </a:p>
@@ -4394,7 +4578,7 @@
           <a:p>
             <a:fld id="{143502D9-B95D-48D0-BEA3-8C170C394F80}" type="datetimeFigureOut">
               <a:rPr kumimoji="1" lang="ja-JP" altLang="en-US" smtClean="0"/>
-              <a:t>2022/1/5</a:t>
+              <a:t>2022/1/31</a:t>
             </a:fld>
             <a:endParaRPr kumimoji="1" lang="ja-JP" altLang="en-US"/>
           </a:p>
@@ -4723,7 +4907,7 @@
           <a:p>
             <a:fld id="{143502D9-B95D-48D0-BEA3-8C170C394F80}" type="datetimeFigureOut">
               <a:rPr kumimoji="1" lang="ja-JP" altLang="en-US" smtClean="0"/>
-              <a:t>2022/1/5</a:t>
+              <a:t>2022/1/31</a:t>
             </a:fld>
             <a:endParaRPr kumimoji="1" lang="ja-JP" altLang="en-US"/>
           </a:p>
@@ -5199,7 +5383,7 @@
           <a:p>
             <a:fld id="{143502D9-B95D-48D0-BEA3-8C170C394F80}" type="datetimeFigureOut">
               <a:rPr kumimoji="1" lang="ja-JP" altLang="en-US" smtClean="0"/>
-              <a:t>2022/1/5</a:t>
+              <a:t>2022/1/31</a:t>
             </a:fld>
             <a:endParaRPr kumimoji="1" lang="ja-JP" altLang="en-US"/>
           </a:p>
@@ -5340,7 +5524,7 @@
           <a:p>
             <a:fld id="{143502D9-B95D-48D0-BEA3-8C170C394F80}" type="datetimeFigureOut">
               <a:rPr kumimoji="1" lang="ja-JP" altLang="en-US" smtClean="0"/>
-              <a:t>2022/1/5</a:t>
+              <a:t>2022/1/31</a:t>
             </a:fld>
             <a:endParaRPr kumimoji="1" lang="ja-JP" altLang="en-US"/>
           </a:p>
@@ -5453,7 +5637,7 @@
           <a:p>
             <a:fld id="{143502D9-B95D-48D0-BEA3-8C170C394F80}" type="datetimeFigureOut">
               <a:rPr kumimoji="1" lang="ja-JP" altLang="en-US" smtClean="0"/>
-              <a:t>2022/1/5</a:t>
+              <a:t>2022/1/31</a:t>
             </a:fld>
             <a:endParaRPr kumimoji="1" lang="ja-JP" altLang="en-US"/>
           </a:p>
@@ -5796,7 +5980,7 @@
           <a:p>
             <a:fld id="{143502D9-B95D-48D0-BEA3-8C170C394F80}" type="datetimeFigureOut">
               <a:rPr kumimoji="1" lang="ja-JP" altLang="en-US" smtClean="0"/>
-              <a:t>2022/1/5</a:t>
+              <a:t>2022/1/31</a:t>
             </a:fld>
             <a:endParaRPr kumimoji="1" lang="ja-JP" altLang="en-US"/>
           </a:p>
@@ -6084,7 +6268,7 @@
           <a:p>
             <a:fld id="{143502D9-B95D-48D0-BEA3-8C170C394F80}" type="datetimeFigureOut">
               <a:rPr kumimoji="1" lang="ja-JP" altLang="en-US" smtClean="0"/>
-              <a:t>2022/1/5</a:t>
+              <a:t>2022/1/31</a:t>
             </a:fld>
             <a:endParaRPr kumimoji="1" lang="ja-JP" altLang="en-US"/>
           </a:p>
@@ -6357,7 +6541,7 @@
           <a:p>
             <a:fld id="{143502D9-B95D-48D0-BEA3-8C170C394F80}" type="datetimeFigureOut">
               <a:rPr kumimoji="1" lang="ja-JP" altLang="en-US" smtClean="0"/>
-              <a:t>2022/1/5</a:t>
+              <a:t>2022/1/31</a:t>
             </a:fld>
             <a:endParaRPr kumimoji="1" lang="ja-JP" altLang="en-US"/>
           </a:p>
@@ -9010,10 +9194,10 @@
       </p:sp>
       <p:pic>
         <p:nvPicPr>
-          <p:cNvPr id="8" name="コンテンツ プレースホルダー 7">
-            <a:extLst>
-              <a:ext uri="{FF2B5EF4-FFF2-40B4-BE49-F238E27FC236}">
-                <a16:creationId xmlns:a16="http://schemas.microsoft.com/office/drawing/2014/main" id="{A2D006DC-319A-439F-948B-BA3E190896C0}"/>
+          <p:cNvPr id="15" name="コンテンツ プレースホルダー 14" descr="グラフィカル ユーザー インターフェイス&#10;&#10;自動的に生成された説明">
+            <a:extLst>
+              <a:ext uri="{FF2B5EF4-FFF2-40B4-BE49-F238E27FC236}">
+                <a16:creationId xmlns:a16="http://schemas.microsoft.com/office/drawing/2014/main" id="{FD37917F-2E84-46DA-AD47-A0C497810F1A}"/>
               </a:ext>
             </a:extLst>
           </p:cNvPr>
@@ -9038,8 +9222,8 @@
         </p:blipFill>
         <p:spPr>
           <a:xfrm>
-            <a:off x="1723844" y="1516747"/>
-            <a:ext cx="8229877" cy="4936440"/>
+            <a:off x="1331346" y="1166703"/>
+            <a:ext cx="9529308" cy="5691297"/>
           </a:xfrm>
         </p:spPr>
       </p:pic>
@@ -9801,8 +9985,8 @@
         </p:nvSpPr>
         <p:spPr>
           <a:xfrm>
-            <a:off x="571500" y="1825625"/>
-            <a:ext cx="10782300" cy="4351338"/>
+            <a:off x="308008" y="1825625"/>
+            <a:ext cx="11045792" cy="4351338"/>
           </a:xfrm>
         </p:spPr>
         <p:txBody>
@@ -9810,32 +9994,86 @@
           <a:lstStyle/>
           <a:p>
             <a:r>
+              <a:rPr lang="ja-JP" altLang="en-US"/>
+              <a:t>入力された値</a:t>
+            </a:r>
+            <a:r>
               <a:rPr lang="en-US" altLang="ja-JP"/>
               <a:t>20bit</a:t>
             </a:r>
             <a:r>
+              <a:rPr kumimoji="1" lang="ja-JP" altLang="en-US"/>
+              <a:t>を</a:t>
+            </a:r>
+            <a:r>
+              <a:rPr kumimoji="1" lang="en-US" altLang="ja-JP"/>
+              <a:t>1bit</a:t>
+            </a:r>
+            <a:r>
+              <a:rPr kumimoji="1" lang="ja-JP" altLang="en-US"/>
+              <a:t>ずつ計算に用いて</a:t>
+            </a:r>
+            <a:r>
+              <a:rPr kumimoji="1" lang="en-US" altLang="ja-JP"/>
+              <a:t>20</a:t>
+            </a:r>
+            <a:r>
+              <a:rPr kumimoji="1" lang="ja-JP" altLang="en-US"/>
+              <a:t>回繰り返す点が</a:t>
+            </a:r>
+            <a:r>
+              <a:rPr kumimoji="1" lang="en-US" altLang="ja-JP"/>
+              <a:t>ProVerif</a:t>
+            </a:r>
+            <a:r>
+              <a:rPr kumimoji="1" lang="ja-JP" altLang="en-US"/>
+              <a:t>で形式化する上で難しい</a:t>
+            </a:r>
+            <a:endParaRPr kumimoji="1" lang="en-US" altLang="ja-JP"/>
+          </a:p>
+          <a:p>
+            <a:endParaRPr lang="en-US" altLang="ja-JP"/>
+          </a:p>
+          <a:p>
+            <a:r>
+              <a:rPr kumimoji="1" lang="ja-JP" altLang="en-US"/>
+              <a:t>改良された</a:t>
+            </a:r>
+            <a:r>
+              <a:rPr kumimoji="1" lang="en-US" altLang="ja-JP"/>
+              <a:t>Passkey Entry</a:t>
+            </a:r>
+            <a:r>
+              <a:rPr kumimoji="1" lang="ja-JP" altLang="en-US"/>
+              <a:t>モードも</a:t>
+            </a:r>
+            <a:r>
+              <a:rPr kumimoji="1" lang="en-US" altLang="ja-JP"/>
+              <a:t>Yeh</a:t>
+            </a:r>
+            <a:r>
+              <a:rPr kumimoji="1" lang="ja-JP" altLang="en-US"/>
+              <a:t>らの</a:t>
+            </a:r>
+            <a:r>
+              <a:rPr kumimoji="1" lang="en-US" altLang="ja-JP"/>
+              <a:t>Numeric</a:t>
+            </a:r>
+            <a:r>
+              <a:rPr kumimoji="1" lang="ja-JP" altLang="en-US"/>
+              <a:t> </a:t>
+            </a:r>
+            <a:r>
+              <a:rPr kumimoji="1" lang="en-US" altLang="ja-JP"/>
+              <a:t>Comparison</a:t>
+            </a:r>
+            <a:r>
+              <a:rPr kumimoji="1" lang="ja-JP" altLang="en-US"/>
+              <a:t>モード</a:t>
+            </a:r>
+            <a:r>
               <a:rPr lang="ja-JP" altLang="en-US"/>
-              <a:t>の</a:t>
-            </a:r>
-            <a:r>
-              <a:rPr kumimoji="1" lang="ja-JP" altLang="en-US"/>
-              <a:t>ノンスを</a:t>
-            </a:r>
-            <a:r>
-              <a:rPr kumimoji="1" lang="en-US" altLang="ja-JP"/>
-              <a:t>1bit</a:t>
-            </a:r>
-            <a:r>
-              <a:rPr kumimoji="1" lang="ja-JP" altLang="en-US"/>
-              <a:t>ずつ計算に用いて</a:t>
-            </a:r>
-            <a:r>
-              <a:rPr kumimoji="1" lang="en-US" altLang="ja-JP"/>
-              <a:t>20</a:t>
-            </a:r>
-            <a:r>
-              <a:rPr kumimoji="1" lang="ja-JP" altLang="en-US"/>
-              <a:t>回繰り返す点が</a:t>
+              <a:t>のように</a:t>
             </a:r>
             <a:r>
               <a:rPr kumimoji="1" lang="en-US" altLang="ja-JP"/>
@@ -9843,49 +10081,15 @@
             </a:r>
             <a:r>
               <a:rPr kumimoji="1" lang="ja-JP" altLang="en-US"/>
-              <a:t>で形式化する上で難しい</a:t>
-            </a:r>
-            <a:endParaRPr kumimoji="1" lang="en-US" altLang="ja-JP"/>
-          </a:p>
-          <a:p>
-            <a:endParaRPr lang="en-US" altLang="ja-JP"/>
-          </a:p>
-          <a:p>
-            <a:r>
-              <a:rPr kumimoji="1" lang="ja-JP" altLang="en-US"/>
-              <a:t>改良された</a:t>
-            </a:r>
-            <a:r>
-              <a:rPr kumimoji="1" lang="en-US" altLang="ja-JP"/>
-              <a:t>Passkey Entry</a:t>
-            </a:r>
-            <a:r>
-              <a:rPr kumimoji="1" lang="ja-JP" altLang="en-US"/>
-              <a:t>モードも</a:t>
-            </a:r>
-            <a:r>
-              <a:rPr kumimoji="1" lang="en-US" altLang="ja-JP"/>
-              <a:t>Yeh</a:t>
-            </a:r>
-            <a:r>
-              <a:rPr kumimoji="1" lang="ja-JP" altLang="en-US"/>
-              <a:t>らの</a:t>
-            </a:r>
-            <a:r>
-              <a:rPr kumimoji="1" lang="en-US" altLang="ja-JP"/>
-              <a:t>Numeric</a:t>
-            </a:r>
-            <a:r>
-              <a:rPr kumimoji="1" lang="ja-JP" altLang="en-US"/>
-              <a:t> </a:t>
-            </a:r>
-            <a:r>
-              <a:rPr kumimoji="1" lang="en-US" altLang="ja-JP"/>
-              <a:t>Comparison</a:t>
-            </a:r>
-            <a:r>
-              <a:rPr kumimoji="1" lang="ja-JP" altLang="en-US"/>
-              <a:t>モードと同様になりすましや再生攻撃の可能性はある</a:t>
+              <a:t>などを利用した安全性検証を行わなければ、なりすましや</a:t>
+            </a:r>
+            <a:r>
+              <a:rPr lang="ja-JP" altLang="en-US"/>
+              <a:t>再送</a:t>
+            </a:r>
+            <a:r>
+              <a:rPr kumimoji="1" lang="ja-JP" altLang="en-US"/>
+              <a:t>攻撃の可能性はある</a:t>
             </a:r>
           </a:p>
         </p:txBody>
@@ -10258,7 +10462,9 @@
         </p:nvSpPr>
         <p:spPr/>
         <p:txBody>
-          <a:bodyPr/>
+          <a:bodyPr>
+            <a:normAutofit/>
+          </a:bodyPr>
           <a:lstStyle/>
           <a:p>
             <a:r>
@@ -10290,15 +10496,23 @@
           <a:p>
             <a:r>
               <a:rPr lang="ja-JP" altLang="en-US" dirty="0"/>
-              <a:t>複雑なプロトコルの高度な安全性を証明するため</a:t>
-            </a:r>
-            <a:r>
-              <a:rPr lang="en-US" altLang="ja-JP" dirty="0" err="1"/>
+              <a:t>複雑なプロトコルの高度な安全性</a:t>
+            </a:r>
+            <a:r>
+              <a:rPr lang="ja-JP" altLang="en-US"/>
+              <a:t>を証明したいが、人が手動で安全性を証明するのは難しく、間違いが起きるため</a:t>
+            </a:r>
+            <a:r>
+              <a:rPr lang="en-US" altLang="ja-JP"/>
               <a:t>ProVerif</a:t>
             </a:r>
             <a:r>
+              <a:rPr lang="ja-JP" altLang="en-US"/>
+              <a:t>　など</a:t>
+            </a:r>
+            <a:r>
               <a:rPr lang="ja-JP" altLang="en-US" dirty="0"/>
-              <a:t>などの自動形式検証ツールを用いた検証が行われている</a:t>
+              <a:t>の自動形式検証ツールを用いた検証が行われている</a:t>
             </a:r>
             <a:endParaRPr lang="en-US" altLang="ja-JP" dirty="0"/>
           </a:p>
@@ -11169,92 +11383,6 @@
           </a:p>
         </p:txBody>
       </p:sp>
-      <p:pic>
-        <p:nvPicPr>
-          <p:cNvPr id="4" name="コンテンツ プレースホルダー 4" descr="概略図&#10;&#10;中程度の精度で自動的に生成された説明">
-            <a:extLst>
-              <a:ext uri="{FF2B5EF4-FFF2-40B4-BE49-F238E27FC236}">
-                <a16:creationId xmlns:a16="http://schemas.microsoft.com/office/drawing/2014/main" id="{0D21D4EB-EC23-40E6-AD81-EF380B47BBEF}"/>
-              </a:ext>
-            </a:extLst>
-          </p:cNvPr>
-          <p:cNvPicPr>
-            <a:picLocks noGrp="1" noChangeAspect="1"/>
-          </p:cNvPicPr>
-          <p:nvPr>
-            <p:ph idx="1"/>
-          </p:nvPr>
-        </p:nvPicPr>
-        <p:blipFill>
-          <a:blip r:embed="rId3">
-            <a:extLst>
-              <a:ext uri="{28A0092B-C50C-407E-A947-70E740481C1C}">
-                <a14:useLocalDpi xmlns:a14="http://schemas.microsoft.com/office/drawing/2010/main" val="0"/>
-              </a:ext>
-            </a:extLst>
-          </a:blip>
-          <a:stretch>
-            <a:fillRect/>
-          </a:stretch>
-        </p:blipFill>
-        <p:spPr>
-          <a:xfrm>
-            <a:off x="1150801" y="2365058"/>
-            <a:ext cx="9890398" cy="3390763"/>
-          </a:xfrm>
-        </p:spPr>
-      </p:pic>
-      <p:sp>
-        <p:nvSpPr>
-          <p:cNvPr id="5" name="テキスト ボックス 4">
-            <a:extLst>
-              <a:ext uri="{FF2B5EF4-FFF2-40B4-BE49-F238E27FC236}">
-                <a16:creationId xmlns:a16="http://schemas.microsoft.com/office/drawing/2014/main" id="{1DEDC3F5-30D4-42AD-AB8F-CF87D8B46C1B}"/>
-              </a:ext>
-            </a:extLst>
-          </p:cNvPr>
-          <p:cNvSpPr txBox="1"/>
-          <p:nvPr/>
-        </p:nvSpPr>
-        <p:spPr>
-          <a:xfrm>
-            <a:off x="1150801" y="5846544"/>
-            <a:ext cx="10366269" cy="646331"/>
-          </a:xfrm>
-          <a:prstGeom prst="rect">
-            <a:avLst/>
-          </a:prstGeom>
-          <a:noFill/>
-        </p:spPr>
-        <p:txBody>
-          <a:bodyPr wrap="square" rtlCol="0">
-            <a:spAutoFit/>
-          </a:bodyPr>
-          <a:lstStyle/>
-          <a:p>
-            <a:r>
-              <a:rPr kumimoji="1" lang="en-US" altLang="ja-JP" dirty="0"/>
-              <a:t>[1]</a:t>
-            </a:r>
-            <a:r>
-              <a:rPr kumimoji="1" lang="en-US" altLang="ja-JP" dirty="0" err="1"/>
-              <a:t>Bluethooth</a:t>
-            </a:r>
-            <a:r>
-              <a:rPr kumimoji="1" lang="ja-JP" altLang="en-US" dirty="0"/>
-              <a:t>のセキュアシンプルペアリングに対する形式的な安全性評価</a:t>
-            </a:r>
-            <a:endParaRPr kumimoji="1" lang="en-US" altLang="ja-JP" dirty="0"/>
-          </a:p>
-          <a:p>
-            <a:r>
-              <a:rPr lang="ja-JP" altLang="en-US" dirty="0"/>
-              <a:t>　　井上博之　荒井研一　金子敏信</a:t>
-            </a:r>
-            <a:endParaRPr kumimoji="1" lang="ja-JP" altLang="en-US" dirty="0"/>
-          </a:p>
-        </p:txBody>
-      </p:sp>
       <p:sp>
         <p:nvSpPr>
           <p:cNvPr id="3" name="テキスト ボックス 2">
@@ -11294,6 +11422,41 @@
           </a:p>
         </p:txBody>
       </p:sp>
+      <p:pic>
+        <p:nvPicPr>
+          <p:cNvPr id="9" name="コンテンツ プレースホルダー 8" descr="ダイアグラム, 概略図&#10;&#10;自動的に生成された説明">
+            <a:extLst>
+              <a:ext uri="{FF2B5EF4-FFF2-40B4-BE49-F238E27FC236}">
+                <a16:creationId xmlns:a16="http://schemas.microsoft.com/office/drawing/2014/main" id="{E5F1DC2B-AC81-4A11-9F97-CA7C22CC70A8}"/>
+              </a:ext>
+            </a:extLst>
+          </p:cNvPr>
+          <p:cNvPicPr>
+            <a:picLocks noGrp="1" noChangeAspect="1"/>
+          </p:cNvPicPr>
+          <p:nvPr>
+            <p:ph idx="1"/>
+          </p:nvPr>
+        </p:nvPicPr>
+        <p:blipFill>
+          <a:blip r:embed="rId3">
+            <a:extLst>
+              <a:ext uri="{28A0092B-C50C-407E-A947-70E740481C1C}">
+                <a14:useLocalDpi xmlns:a14="http://schemas.microsoft.com/office/drawing/2010/main" val="0"/>
+              </a:ext>
+            </a:extLst>
+          </a:blip>
+          <a:stretch>
+            <a:fillRect/>
+          </a:stretch>
+        </p:blipFill>
+        <p:spPr>
+          <a:xfrm>
+            <a:off x="1413492" y="2338128"/>
+            <a:ext cx="8904792" cy="4770764"/>
+          </a:xfrm>
+        </p:spPr>
+      </p:pic>
     </p:spTree>
     <p:extLst>
       <p:ext uri="{BB962C8B-B14F-4D97-AF65-F5344CB8AC3E}">
@@ -11347,8 +11510,13 @@
           <a:p>
             <a:r>
               <a:rPr kumimoji="1" lang="ja-JP" altLang="en-US" dirty="0"/>
-              <a:t>フェーズ②（認証ステージ１）</a:t>
-            </a:r>
+              <a:t>フェーズ②（</a:t>
+            </a:r>
+            <a:r>
+              <a:rPr kumimoji="1" lang="ja-JP" altLang="en-US"/>
+              <a:t>認証ステージ）</a:t>
+            </a:r>
+            <a:endParaRPr kumimoji="1" lang="ja-JP" altLang="en-US" dirty="0"/>
           </a:p>
         </p:txBody>
       </p:sp>
@@ -11488,7 +11656,7 @@
           <p:cNvPr id="2" name="タイトル 1">
             <a:extLst>
               <a:ext uri="{FF2B5EF4-FFF2-40B4-BE49-F238E27FC236}">
-                <a16:creationId xmlns:a16="http://schemas.microsoft.com/office/drawing/2014/main" id="{6BE9F1CE-CD34-41E0-9469-AEEE9DF58ABE}"/>
+                <a16:creationId xmlns:a16="http://schemas.microsoft.com/office/drawing/2014/main" id="{47C4A7EA-D360-4B61-A80C-C20BFB993BFB}"/>
               </a:ext>
             </a:extLst>
           </p:cNvPr>
@@ -11506,60 +11674,122 @@
           <a:p>
             <a:r>
               <a:rPr kumimoji="1" lang="ja-JP" altLang="en-US" dirty="0"/>
-              <a:t>セキュアシンプルペアリング（</a:t>
-            </a:r>
-            <a:r>
-              <a:rPr kumimoji="1" lang="en-US" altLang="ja-JP" dirty="0"/>
-              <a:t>SSP</a:t>
-            </a:r>
-            <a:r>
-              <a:rPr kumimoji="1" lang="ja-JP" altLang="en-US" dirty="0"/>
-              <a:t>）</a:t>
-            </a:r>
-          </a:p>
-        </p:txBody>
-      </p:sp>
-      <p:pic>
-        <p:nvPicPr>
-          <p:cNvPr id="4" name="コンテンツ プレースホルダー 4" descr="概略図&#10;&#10;中程度の精度で自動的に生成された説明">
-            <a:extLst>
-              <a:ext uri="{FF2B5EF4-FFF2-40B4-BE49-F238E27FC236}">
-                <a16:creationId xmlns:a16="http://schemas.microsoft.com/office/drawing/2014/main" id="{0D21D4EB-EC23-40E6-AD81-EF380B47BBEF}"/>
-              </a:ext>
-            </a:extLst>
-          </p:cNvPr>
-          <p:cNvPicPr>
-            <a:picLocks noGrp="1" noChangeAspect="1"/>
-          </p:cNvPicPr>
+              <a:t>関連研究</a:t>
+            </a:r>
+          </a:p>
+        </p:txBody>
+      </p:sp>
+      <p:sp>
+        <p:nvSpPr>
+          <p:cNvPr id="3" name="コンテンツ プレースホルダー 2">
+            <a:extLst>
+              <a:ext uri="{FF2B5EF4-FFF2-40B4-BE49-F238E27FC236}">
+                <a16:creationId xmlns:a16="http://schemas.microsoft.com/office/drawing/2014/main" id="{408C106F-AD01-4BF6-B45C-6A71297A4511}"/>
+              </a:ext>
+            </a:extLst>
+          </p:cNvPr>
+          <p:cNvSpPr>
+            <a:spLocks noGrp="1"/>
+          </p:cNvSpPr>
           <p:nvPr>
             <p:ph idx="1"/>
           </p:nvPr>
-        </p:nvPicPr>
-        <p:blipFill>
-          <a:blip r:embed="rId3">
-            <a:extLst>
-              <a:ext uri="{28A0092B-C50C-407E-A947-70E740481C1C}">
-                <a14:useLocalDpi xmlns:a14="http://schemas.microsoft.com/office/drawing/2010/main" val="0"/>
-              </a:ext>
-            </a:extLst>
-          </a:blip>
-          <a:stretch>
-            <a:fillRect/>
-          </a:stretch>
-        </p:blipFill>
+        </p:nvSpPr>
         <p:spPr>
           <a:xfrm>
-            <a:off x="1150801" y="1690688"/>
-            <a:ext cx="9890398" cy="3390763"/>
+            <a:off x="838200" y="1825625"/>
+            <a:ext cx="10515600" cy="4152265"/>
           </a:xfrm>
         </p:spPr>
-      </p:pic>
+        <p:txBody>
+          <a:bodyPr>
+            <a:normAutofit/>
+          </a:bodyPr>
+          <a:lstStyle/>
+          <a:p>
+            <a:r>
+              <a:rPr lang="en-US" altLang="ja-JP" dirty="0" err="1"/>
+              <a:t>ProVerif</a:t>
+            </a:r>
+            <a:r>
+              <a:rPr lang="ja-JP" altLang="en-US" dirty="0"/>
+              <a:t>を用いた</a:t>
+            </a:r>
+            <a:r>
+              <a:rPr lang="en-US" altLang="ja-JP" dirty="0"/>
+              <a:t>Bluetooth</a:t>
+            </a:r>
+            <a:r>
+              <a:rPr lang="ja-JP" altLang="en-US" dirty="0"/>
+              <a:t>のセキュアシンプルペアリングの 形式的検証</a:t>
+            </a:r>
+            <a:endParaRPr lang="en-US" altLang="ja-JP" dirty="0"/>
+          </a:p>
+          <a:p>
+            <a:pPr marL="0" indent="0">
+              <a:buNone/>
+            </a:pPr>
+            <a:r>
+              <a:rPr kumimoji="1" lang="en-US" altLang="ja-JP" sz="2800" dirty="0"/>
+              <a:t>[1]</a:t>
+            </a:r>
+            <a:r>
+              <a:rPr kumimoji="1" lang="ja-JP" altLang="en-US" sz="2800" dirty="0"/>
+              <a:t>横村雄太　岩本智裕　新井研一　金子敏信</a:t>
+            </a:r>
+            <a:endParaRPr kumimoji="1" lang="en-US" altLang="ja-JP" sz="2800" dirty="0"/>
+          </a:p>
+          <a:p>
+            <a:pPr marL="0" indent="0">
+              <a:buNone/>
+            </a:pPr>
+            <a:r>
+              <a:rPr lang="ja-JP" altLang="en-US" sz="2800" dirty="0"/>
+              <a:t>　　 </a:t>
+            </a:r>
+            <a:r>
+              <a:rPr lang="en-US" altLang="ja-JP" sz="2800" dirty="0"/>
+              <a:t>Computer Security Symposium 2013</a:t>
+            </a:r>
+          </a:p>
+          <a:p>
+            <a:pPr marL="0" indent="0">
+              <a:buNone/>
+            </a:pPr>
+            <a:r>
+              <a:rPr lang="en-US" altLang="ja-JP" sz="2800" dirty="0"/>
+              <a:t>      </a:t>
+            </a:r>
+            <a:r>
+              <a:rPr lang="ja-JP" altLang="en-US" sz="2800" dirty="0"/>
+              <a:t> </a:t>
+            </a:r>
+            <a:r>
+              <a:rPr lang="en-US" altLang="ja-JP" sz="2800" dirty="0"/>
+              <a:t> 21-23 October 2013</a:t>
+            </a:r>
+          </a:p>
+          <a:p>
+            <a:pPr marL="0" indent="0">
+              <a:buNone/>
+            </a:pPr>
+            <a:r>
+              <a:rPr lang="ja-JP" altLang="en-US" dirty="0"/>
+              <a:t>　　</a:t>
+            </a:r>
+            <a:endParaRPr lang="en-US" altLang="ja-JP" sz="2800" dirty="0"/>
+          </a:p>
+          <a:p>
+            <a:endParaRPr kumimoji="1" lang="ja-JP" altLang="en-US" dirty="0"/>
+          </a:p>
+        </p:txBody>
+      </p:sp>
       <p:sp>
         <p:nvSpPr>
           <p:cNvPr id="5" name="テキスト ボックス 4">
             <a:extLst>
               <a:ext uri="{FF2B5EF4-FFF2-40B4-BE49-F238E27FC236}">
-                <a16:creationId xmlns:a16="http://schemas.microsoft.com/office/drawing/2014/main" id="{1DEDC3F5-30D4-42AD-AB8F-CF87D8B46C1B}"/>
+                <a16:creationId xmlns:a16="http://schemas.microsoft.com/office/drawing/2014/main" id="{CB41A4C0-D9A2-4847-9AB9-21A641725E59}"/>
               </a:ext>
             </a:extLst>
           </p:cNvPr>
@@ -11568,8 +11798,8 @@
         </p:nvSpPr>
         <p:spPr>
           <a:xfrm>
-            <a:off x="1150801" y="5081451"/>
-            <a:ext cx="10366269" cy="646331"/>
+            <a:off x="983782" y="4592895"/>
+            <a:ext cx="10370018" cy="1384995"/>
           </a:xfrm>
           <a:prstGeom prst="rect">
             <a:avLst/>
@@ -11583,32 +11813,80 @@
           <a:lstStyle/>
           <a:p>
             <a:r>
-              <a:rPr kumimoji="1" lang="en-US" altLang="ja-JP" dirty="0"/>
-              <a:t>[1]</a:t>
-            </a:r>
-            <a:r>
-              <a:rPr kumimoji="1" lang="en-US" altLang="ja-JP" dirty="0" err="1"/>
-              <a:t>Bluethooth</a:t>
-            </a:r>
-            <a:r>
-              <a:rPr kumimoji="1" lang="ja-JP" altLang="en-US" dirty="0"/>
-              <a:t>のセキュアシンプルペアリングに対する形式的な安全性評価</a:t>
-            </a:r>
-            <a:endParaRPr kumimoji="1" lang="en-US" altLang="ja-JP" dirty="0"/>
-          </a:p>
-          <a:p>
-            <a:r>
-              <a:rPr lang="ja-JP" altLang="en-US" dirty="0"/>
-              <a:t>　　井上博之　荒井研一　金子敏信</a:t>
-            </a:r>
-            <a:endParaRPr kumimoji="1" lang="ja-JP" altLang="en-US" dirty="0"/>
+              <a:rPr kumimoji="1" lang="en-US" altLang="ja-JP" sz="2800"/>
+              <a:t>Yeh</a:t>
+            </a:r>
+            <a:r>
+              <a:rPr kumimoji="1" lang="ja-JP" altLang="en-US" sz="2800"/>
+              <a:t>らがオリジナルの改良を行った</a:t>
+            </a:r>
+            <a:r>
+              <a:rPr kumimoji="1" lang="en-US" altLang="ja-JP" sz="2800"/>
+              <a:t>Numeric </a:t>
+            </a:r>
+            <a:r>
+              <a:rPr kumimoji="1" lang="en-US" altLang="ja-JP" sz="2800" dirty="0"/>
+              <a:t>Comparison</a:t>
+            </a:r>
+            <a:r>
+              <a:rPr kumimoji="1" lang="ja-JP" altLang="en-US" sz="2800" dirty="0"/>
+              <a:t>モードを</a:t>
+            </a:r>
+            <a:r>
+              <a:rPr kumimoji="1" lang="en-US" altLang="ja-JP" sz="2800" dirty="0" err="1"/>
+              <a:t>ProVerif</a:t>
+            </a:r>
+            <a:r>
+              <a:rPr kumimoji="1" lang="ja-JP" altLang="en-US" sz="2800" dirty="0"/>
+              <a:t>を用いて検証</a:t>
+            </a:r>
+            <a:r>
+              <a:rPr kumimoji="1" lang="ja-JP" altLang="en-US" sz="2800"/>
+              <a:t>し、なりすましや</a:t>
+            </a:r>
+            <a:r>
+              <a:rPr lang="ja-JP" altLang="en-US" sz="2800"/>
+              <a:t>再送</a:t>
+            </a:r>
+            <a:r>
+              <a:rPr kumimoji="1" lang="ja-JP" altLang="en-US" sz="2800"/>
+              <a:t>攻撃を発見、　　　　　さらに改良</a:t>
+            </a:r>
+            <a:r>
+              <a:rPr kumimoji="1" lang="ja-JP" altLang="en-US" sz="2800" dirty="0"/>
+              <a:t>を行った</a:t>
+            </a:r>
+            <a:r>
+              <a:rPr kumimoji="1" lang="ja-JP" altLang="en-US" sz="2800"/>
+              <a:t>結果、</a:t>
+            </a:r>
+            <a:r>
+              <a:rPr lang="ja-JP" altLang="en-US" sz="2800"/>
+              <a:t>いずれの</a:t>
+            </a:r>
+            <a:r>
+              <a:rPr kumimoji="1" lang="ja-JP" altLang="en-US" sz="2800"/>
+              <a:t>攻撃</a:t>
+            </a:r>
+            <a:r>
+              <a:rPr kumimoji="1" lang="ja-JP" altLang="en-US" sz="2800" dirty="0"/>
+              <a:t>も</a:t>
+            </a:r>
+            <a:r>
+              <a:rPr kumimoji="1" lang="ja-JP" altLang="en-US" sz="2800"/>
+              <a:t>不可能</a:t>
+            </a:r>
+            <a:r>
+              <a:rPr kumimoji="1" lang="ja-JP" altLang="en-US" sz="2800" dirty="0"/>
+              <a:t>となった</a:t>
+            </a:r>
           </a:p>
         </p:txBody>
       </p:sp>
     </p:spTree>
     <p:extLst>
       <p:ext uri="{BB962C8B-B14F-4D97-AF65-F5344CB8AC3E}">
-        <p14:creationId xmlns:p14="http://schemas.microsoft.com/office/powerpoint/2010/main" val="2580474635"/>
+        <p14:creationId xmlns:p14="http://schemas.microsoft.com/office/powerpoint/2010/main" val="1007562759"/>
       </p:ext>
     </p:extLst>
   </p:cSld>
@@ -11640,7 +11918,7 @@
           <p:cNvPr id="2" name="タイトル 1">
             <a:extLst>
               <a:ext uri="{FF2B5EF4-FFF2-40B4-BE49-F238E27FC236}">
-                <a16:creationId xmlns:a16="http://schemas.microsoft.com/office/drawing/2014/main" id="{47C4A7EA-D360-4B61-A80C-C20BFB993BFB}"/>
+                <a16:creationId xmlns:a16="http://schemas.microsoft.com/office/drawing/2014/main" id="{A72A9EAA-0D58-4E3C-9F7F-844B01224084}"/>
               </a:ext>
             </a:extLst>
           </p:cNvPr>
@@ -11657,184 +11935,646 @@
           <a:lstStyle/>
           <a:p>
             <a:r>
-              <a:rPr kumimoji="1" lang="ja-JP" altLang="en-US" dirty="0"/>
-              <a:t>関連研究</a:t>
-            </a:r>
-          </a:p>
-        </p:txBody>
-      </p:sp>
-      <p:sp>
-        <p:nvSpPr>
-          <p:cNvPr id="3" name="コンテンツ プレースホルダー 2">
-            <a:extLst>
-              <a:ext uri="{FF2B5EF4-FFF2-40B4-BE49-F238E27FC236}">
-                <a16:creationId xmlns:a16="http://schemas.microsoft.com/office/drawing/2014/main" id="{408C106F-AD01-4BF6-B45C-6A71297A4511}"/>
-              </a:ext>
-            </a:extLst>
-          </p:cNvPr>
-          <p:cNvSpPr>
-            <a:spLocks noGrp="1"/>
-          </p:cNvSpPr>
+              <a:rPr kumimoji="1" lang="ja-JP" altLang="en-US"/>
+              <a:t>安全性</a:t>
+            </a:r>
+          </a:p>
+        </p:txBody>
+      </p:sp>
+      <p:graphicFrame>
+        <p:nvGraphicFramePr>
+          <p:cNvPr id="4" name="表 4">
+            <a:extLst>
+              <a:ext uri="{FF2B5EF4-FFF2-40B4-BE49-F238E27FC236}">
+                <a16:creationId xmlns:a16="http://schemas.microsoft.com/office/drawing/2014/main" id="{34B56024-7040-4E2D-96E2-8FB84363D24C}"/>
+              </a:ext>
+            </a:extLst>
+          </p:cNvPr>
+          <p:cNvGraphicFramePr>
+            <a:graphicFrameLocks noGrp="1"/>
+          </p:cNvGraphicFramePr>
           <p:nvPr>
             <p:ph idx="1"/>
-          </p:nvPr>
+            <p:extLst>
+              <p:ext uri="{D42A27DB-BD31-4B8C-83A1-F6EECF244321}">
+                <p14:modId xmlns:p14="http://schemas.microsoft.com/office/powerpoint/2010/main" val="4204566560"/>
+              </p:ext>
+            </p:extLst>
+          </p:nvPr>
+        </p:nvGraphicFramePr>
+        <p:xfrm>
+          <a:off x="838200" y="1825624"/>
+          <a:ext cx="10515600" cy="4251327"/>
+        </p:xfrm>
+        <a:graphic>
+          <a:graphicData uri="http://schemas.openxmlformats.org/drawingml/2006/table">
+            <a:tbl>
+              <a:tblPr firstRow="1" bandRow="1">
+                <a:tableStyleId>{5940675A-B579-460E-94D1-54222C63F5DA}</a:tableStyleId>
+              </a:tblPr>
+              <a:tblGrid>
+                <a:gridCol w="2628900">
+                  <a:extLst>
+                    <a:ext uri="{9D8B030D-6E8A-4147-A177-3AD203B41FA5}">
+                      <a16:colId xmlns:a16="http://schemas.microsoft.com/office/drawing/2014/main" val="1201339476"/>
+                    </a:ext>
+                  </a:extLst>
+                </a:gridCol>
+                <a:gridCol w="2628900">
+                  <a:extLst>
+                    <a:ext uri="{9D8B030D-6E8A-4147-A177-3AD203B41FA5}">
+                      <a16:colId xmlns:a16="http://schemas.microsoft.com/office/drawing/2014/main" val="219292122"/>
+                    </a:ext>
+                  </a:extLst>
+                </a:gridCol>
+                <a:gridCol w="2628900">
+                  <a:extLst>
+                    <a:ext uri="{9D8B030D-6E8A-4147-A177-3AD203B41FA5}">
+                      <a16:colId xmlns:a16="http://schemas.microsoft.com/office/drawing/2014/main" val="3019091491"/>
+                    </a:ext>
+                  </a:extLst>
+                </a:gridCol>
+                <a:gridCol w="2628900">
+                  <a:extLst>
+                    <a:ext uri="{9D8B030D-6E8A-4147-A177-3AD203B41FA5}">
+                      <a16:colId xmlns:a16="http://schemas.microsoft.com/office/drawing/2014/main" val="1139248445"/>
+                    </a:ext>
+                  </a:extLst>
+                </a:gridCol>
+              </a:tblGrid>
+              <a:tr h="1417109">
+                <a:tc>
+                  <a:txBody>
+                    <a:bodyPr/>
+                    <a:lstStyle/>
+                    <a:p>
+                      <a:pPr algn="ctr"/>
+                      <a:r>
+                        <a:rPr kumimoji="1" lang="ja-JP" altLang="en-US" sz="3600"/>
+                        <a:t>モード</a:t>
+                      </a:r>
+                    </a:p>
+                  </a:txBody>
+                  <a:tcPr anchor="ctr">
+                    <a:lnL w="57150" cap="flat" cmpd="sng" algn="ctr">
+                      <a:solidFill>
+                        <a:schemeClr val="tx1"/>
+                      </a:solidFill>
+                      <a:prstDash val="solid"/>
+                      <a:round/>
+                      <a:headEnd type="none" w="med" len="med"/>
+                      <a:tailEnd type="none" w="med" len="med"/>
+                    </a:lnL>
+                    <a:lnR w="57150" cap="flat" cmpd="sng" algn="ctr">
+                      <a:solidFill>
+                        <a:schemeClr val="tx1"/>
+                      </a:solidFill>
+                      <a:prstDash val="solid"/>
+                      <a:round/>
+                      <a:headEnd type="none" w="med" len="med"/>
+                      <a:tailEnd type="none" w="med" len="med"/>
+                    </a:lnR>
+                    <a:lnT w="57150" cap="flat" cmpd="sng" algn="ctr">
+                      <a:solidFill>
+                        <a:schemeClr val="tx1"/>
+                      </a:solidFill>
+                      <a:prstDash val="solid"/>
+                      <a:round/>
+                      <a:headEnd type="none" w="med" len="med"/>
+                      <a:tailEnd type="none" w="med" len="med"/>
+                    </a:lnT>
+                    <a:lnB w="57150" cap="flat" cmpd="sng" algn="ctr">
+                      <a:solidFill>
+                        <a:schemeClr val="tx1"/>
+                      </a:solidFill>
+                      <a:prstDash val="solid"/>
+                      <a:round/>
+                      <a:headEnd type="none" w="med" len="med"/>
+                      <a:tailEnd type="none" w="med" len="med"/>
+                    </a:lnB>
+                  </a:tcPr>
+                </a:tc>
+                <a:tc>
+                  <a:txBody>
+                    <a:bodyPr/>
+                    <a:lstStyle/>
+                    <a:p>
+                      <a:pPr algn="ctr"/>
+                      <a:r>
+                        <a:rPr kumimoji="1" lang="ja-JP" altLang="en-US" sz="3600"/>
+                        <a:t>オリジナル</a:t>
+                      </a:r>
+                    </a:p>
+                  </a:txBody>
+                  <a:tcPr anchor="ctr">
+                    <a:lnL w="57150" cap="flat" cmpd="sng" algn="ctr">
+                      <a:solidFill>
+                        <a:schemeClr val="tx1"/>
+                      </a:solidFill>
+                      <a:prstDash val="solid"/>
+                      <a:round/>
+                      <a:headEnd type="none" w="med" len="med"/>
+                      <a:tailEnd type="none" w="med" len="med"/>
+                    </a:lnL>
+                    <a:lnT w="57150" cap="flat" cmpd="sng" algn="ctr">
+                      <a:solidFill>
+                        <a:schemeClr val="tx1"/>
+                      </a:solidFill>
+                      <a:prstDash val="solid"/>
+                      <a:round/>
+                      <a:headEnd type="none" w="med" len="med"/>
+                      <a:tailEnd type="none" w="med" len="med"/>
+                    </a:lnT>
+                    <a:lnB w="57150" cap="flat" cmpd="sng" algn="ctr">
+                      <a:solidFill>
+                        <a:schemeClr val="tx1"/>
+                      </a:solidFill>
+                      <a:prstDash val="solid"/>
+                      <a:round/>
+                      <a:headEnd type="none" w="med" len="med"/>
+                      <a:tailEnd type="none" w="med" len="med"/>
+                    </a:lnB>
+                  </a:tcPr>
+                </a:tc>
+                <a:tc>
+                  <a:txBody>
+                    <a:bodyPr/>
+                    <a:lstStyle/>
+                    <a:p>
+                      <a:pPr algn="ctr"/>
+                      <a:r>
+                        <a:rPr kumimoji="1" lang="ja-JP" altLang="en-US" sz="3600"/>
+                        <a:t>改良</a:t>
+                      </a:r>
+                    </a:p>
+                  </a:txBody>
+                  <a:tcPr anchor="ctr">
+                    <a:lnT w="57150" cap="flat" cmpd="sng" algn="ctr">
+                      <a:solidFill>
+                        <a:schemeClr val="tx1"/>
+                      </a:solidFill>
+                      <a:prstDash val="solid"/>
+                      <a:round/>
+                      <a:headEnd type="none" w="med" len="med"/>
+                      <a:tailEnd type="none" w="med" len="med"/>
+                    </a:lnT>
+                    <a:lnB w="57150" cap="flat" cmpd="sng" algn="ctr">
+                      <a:solidFill>
+                        <a:schemeClr val="tx1"/>
+                      </a:solidFill>
+                      <a:prstDash val="solid"/>
+                      <a:round/>
+                      <a:headEnd type="none" w="med" len="med"/>
+                      <a:tailEnd type="none" w="med" len="med"/>
+                    </a:lnB>
+                  </a:tcPr>
+                </a:tc>
+                <a:tc>
+                  <a:txBody>
+                    <a:bodyPr/>
+                    <a:lstStyle/>
+                    <a:p>
+                      <a:pPr algn="ctr"/>
+                      <a:r>
+                        <a:rPr kumimoji="1" lang="ja-JP" altLang="en-US" sz="3600"/>
+                        <a:t>さらに改良</a:t>
+                      </a:r>
+                    </a:p>
+                  </a:txBody>
+                  <a:tcPr anchor="ctr">
+                    <a:lnR w="57150" cap="flat" cmpd="sng" algn="ctr">
+                      <a:solidFill>
+                        <a:schemeClr val="tx1"/>
+                      </a:solidFill>
+                      <a:prstDash val="solid"/>
+                      <a:round/>
+                      <a:headEnd type="none" w="med" len="med"/>
+                      <a:tailEnd type="none" w="med" len="med"/>
+                    </a:lnR>
+                    <a:lnT w="57150" cap="flat" cmpd="sng" algn="ctr">
+                      <a:solidFill>
+                        <a:schemeClr val="tx1"/>
+                      </a:solidFill>
+                      <a:prstDash val="solid"/>
+                      <a:round/>
+                      <a:headEnd type="none" w="med" len="med"/>
+                      <a:tailEnd type="none" w="med" len="med"/>
+                    </a:lnT>
+                    <a:lnB w="57150" cap="flat" cmpd="sng" algn="ctr">
+                      <a:solidFill>
+                        <a:schemeClr val="tx1"/>
+                      </a:solidFill>
+                      <a:prstDash val="solid"/>
+                      <a:round/>
+                      <a:headEnd type="none" w="med" len="med"/>
+                      <a:tailEnd type="none" w="med" len="med"/>
+                    </a:lnB>
+                  </a:tcPr>
+                </a:tc>
+                <a:extLst>
+                  <a:ext uri="{0D108BD9-81ED-4DB2-BD59-A6C34878D82A}">
+                    <a16:rowId xmlns:a16="http://schemas.microsoft.com/office/drawing/2014/main" val="2860218281"/>
+                  </a:ext>
+                </a:extLst>
+              </a:tr>
+              <a:tr h="1417109">
+                <a:tc>
+                  <a:txBody>
+                    <a:bodyPr/>
+                    <a:lstStyle/>
+                    <a:p>
+                      <a:pPr algn="ctr"/>
+                      <a:r>
+                        <a:rPr kumimoji="1" lang="en-US" altLang="ja-JP" sz="3200"/>
+                        <a:t>Numeric Comparison</a:t>
+                      </a:r>
+                      <a:endParaRPr kumimoji="1" lang="ja-JP" altLang="en-US" sz="3200"/>
+                    </a:p>
+                  </a:txBody>
+                  <a:tcPr anchor="ctr">
+                    <a:lnL w="57150" cap="flat" cmpd="sng" algn="ctr">
+                      <a:solidFill>
+                        <a:schemeClr val="tx1"/>
+                      </a:solidFill>
+                      <a:prstDash val="solid"/>
+                      <a:round/>
+                      <a:headEnd type="none" w="med" len="med"/>
+                      <a:tailEnd type="none" w="med" len="med"/>
+                    </a:lnL>
+                    <a:lnR w="57150" cap="flat" cmpd="sng" algn="ctr">
+                      <a:solidFill>
+                        <a:schemeClr val="tx1"/>
+                      </a:solidFill>
+                      <a:prstDash val="solid"/>
+                      <a:round/>
+                      <a:headEnd type="none" w="med" len="med"/>
+                      <a:tailEnd type="none" w="med" len="med"/>
+                    </a:lnR>
+                    <a:lnT w="57150" cap="flat" cmpd="sng" algn="ctr">
+                      <a:solidFill>
+                        <a:schemeClr val="tx1"/>
+                      </a:solidFill>
+                      <a:prstDash val="solid"/>
+                      <a:round/>
+                      <a:headEnd type="none" w="med" len="med"/>
+                      <a:tailEnd type="none" w="med" len="med"/>
+                    </a:lnT>
+                  </a:tcPr>
+                </a:tc>
+                <a:tc>
+                  <a:txBody>
+                    <a:bodyPr/>
+                    <a:lstStyle/>
+                    <a:p>
+                      <a:pPr algn="ctr"/>
+                      <a:r>
+                        <a:rPr kumimoji="1" lang="en-US" altLang="ja-JP" sz="7200"/>
+                        <a:t>×</a:t>
+                      </a:r>
+                      <a:endParaRPr kumimoji="1" lang="ja-JP" altLang="en-US" sz="7200"/>
+                    </a:p>
+                  </a:txBody>
+                  <a:tcPr anchor="ctr">
+                    <a:lnL w="57150" cap="flat" cmpd="sng" algn="ctr">
+                      <a:solidFill>
+                        <a:schemeClr val="tx1"/>
+                      </a:solidFill>
+                      <a:prstDash val="solid"/>
+                      <a:round/>
+                      <a:headEnd type="none" w="med" len="med"/>
+                      <a:tailEnd type="none" w="med" len="med"/>
+                    </a:lnL>
+                    <a:lnT w="57150" cap="flat" cmpd="sng" algn="ctr">
+                      <a:solidFill>
+                        <a:schemeClr val="tx1"/>
+                      </a:solidFill>
+                      <a:prstDash val="solid"/>
+                      <a:round/>
+                      <a:headEnd type="none" w="med" len="med"/>
+                      <a:tailEnd type="none" w="med" len="med"/>
+                    </a:lnT>
+                  </a:tcPr>
+                </a:tc>
+                <a:tc>
+                  <a:txBody>
+                    <a:bodyPr/>
+                    <a:lstStyle/>
+                    <a:p>
+                      <a:pPr algn="ctr"/>
+                      <a:r>
+                        <a:rPr kumimoji="1" lang="en-US" altLang="ja-JP" sz="7200"/>
+                        <a:t>×</a:t>
+                      </a:r>
+                      <a:endParaRPr kumimoji="1" lang="ja-JP" altLang="en-US" sz="7200"/>
+                    </a:p>
+                  </a:txBody>
+                  <a:tcPr anchor="ctr">
+                    <a:lnT w="57150" cap="flat" cmpd="sng" algn="ctr">
+                      <a:solidFill>
+                        <a:schemeClr val="tx1"/>
+                      </a:solidFill>
+                      <a:prstDash val="solid"/>
+                      <a:round/>
+                      <a:headEnd type="none" w="med" len="med"/>
+                      <a:tailEnd type="none" w="med" len="med"/>
+                    </a:lnT>
+                  </a:tcPr>
+                </a:tc>
+                <a:tc>
+                  <a:txBody>
+                    <a:bodyPr/>
+                    <a:lstStyle/>
+                    <a:p>
+                      <a:pPr algn="ctr"/>
+                      <a:r>
+                        <a:rPr kumimoji="1" lang="ja-JP" altLang="en-US" sz="7200"/>
+                        <a:t>〇</a:t>
+                      </a:r>
+                      <a:endParaRPr kumimoji="1" lang="en-US" altLang="ja-JP" sz="7200"/>
+                    </a:p>
+                  </a:txBody>
+                  <a:tcPr anchor="ctr">
+                    <a:lnR w="57150" cap="flat" cmpd="sng" algn="ctr">
+                      <a:solidFill>
+                        <a:schemeClr val="tx1"/>
+                      </a:solidFill>
+                      <a:prstDash val="solid"/>
+                      <a:round/>
+                      <a:headEnd type="none" w="med" len="med"/>
+                      <a:tailEnd type="none" w="med" len="med"/>
+                    </a:lnR>
+                    <a:lnT w="57150" cap="flat" cmpd="sng" algn="ctr">
+                      <a:solidFill>
+                        <a:schemeClr val="tx1"/>
+                      </a:solidFill>
+                      <a:prstDash val="solid"/>
+                      <a:round/>
+                      <a:headEnd type="none" w="med" len="med"/>
+                      <a:tailEnd type="none" w="med" len="med"/>
+                    </a:lnT>
+                  </a:tcPr>
+                </a:tc>
+                <a:extLst>
+                  <a:ext uri="{0D108BD9-81ED-4DB2-BD59-A6C34878D82A}">
+                    <a16:rowId xmlns:a16="http://schemas.microsoft.com/office/drawing/2014/main" val="1720058520"/>
+                  </a:ext>
+                </a:extLst>
+              </a:tr>
+              <a:tr h="1417109">
+                <a:tc>
+                  <a:txBody>
+                    <a:bodyPr/>
+                    <a:lstStyle/>
+                    <a:p>
+                      <a:pPr algn="ctr"/>
+                      <a:r>
+                        <a:rPr kumimoji="1" lang="en-US" altLang="ja-JP" sz="3200"/>
+                        <a:t>Passkey Entry</a:t>
+                      </a:r>
+                      <a:endParaRPr kumimoji="1" lang="ja-JP" altLang="en-US" sz="3200"/>
+                    </a:p>
+                  </a:txBody>
+                  <a:tcPr anchor="ctr">
+                    <a:lnL w="57150" cap="flat" cmpd="sng" algn="ctr">
+                      <a:solidFill>
+                        <a:schemeClr val="tx1"/>
+                      </a:solidFill>
+                      <a:prstDash val="solid"/>
+                      <a:round/>
+                      <a:headEnd type="none" w="med" len="med"/>
+                      <a:tailEnd type="none" w="med" len="med"/>
+                    </a:lnL>
+                    <a:lnR w="57150" cap="flat" cmpd="sng" algn="ctr">
+                      <a:solidFill>
+                        <a:schemeClr val="tx1"/>
+                      </a:solidFill>
+                      <a:prstDash val="solid"/>
+                      <a:round/>
+                      <a:headEnd type="none" w="med" len="med"/>
+                      <a:tailEnd type="none" w="med" len="med"/>
+                    </a:lnR>
+                    <a:lnB w="57150" cap="flat" cmpd="sng" algn="ctr">
+                      <a:solidFill>
+                        <a:schemeClr val="tx1"/>
+                      </a:solidFill>
+                      <a:prstDash val="solid"/>
+                      <a:round/>
+                      <a:headEnd type="none" w="med" len="med"/>
+                      <a:tailEnd type="none" w="med" len="med"/>
+                    </a:lnB>
+                  </a:tcPr>
+                </a:tc>
+                <a:tc>
+                  <a:txBody>
+                    <a:bodyPr/>
+                    <a:lstStyle/>
+                    <a:p>
+                      <a:pPr algn="ctr"/>
+                      <a:r>
+                        <a:rPr kumimoji="1" lang="en-US" altLang="ja-JP" sz="7200"/>
+                        <a:t>×</a:t>
+                      </a:r>
+                      <a:endParaRPr kumimoji="1" lang="ja-JP" altLang="en-US" sz="7200"/>
+                    </a:p>
+                  </a:txBody>
+                  <a:tcPr anchor="ctr">
+                    <a:lnL w="57150" cap="flat" cmpd="sng" algn="ctr">
+                      <a:solidFill>
+                        <a:schemeClr val="tx1"/>
+                      </a:solidFill>
+                      <a:prstDash val="solid"/>
+                      <a:round/>
+                      <a:headEnd type="none" w="med" len="med"/>
+                      <a:tailEnd type="none" w="med" len="med"/>
+                    </a:lnL>
+                    <a:lnB w="57150" cap="flat" cmpd="sng" algn="ctr">
+                      <a:solidFill>
+                        <a:schemeClr val="tx1"/>
+                      </a:solidFill>
+                      <a:prstDash val="solid"/>
+                      <a:round/>
+                      <a:headEnd type="none" w="med" len="med"/>
+                      <a:tailEnd type="none" w="med" len="med"/>
+                    </a:lnB>
+                  </a:tcPr>
+                </a:tc>
+                <a:tc>
+                  <a:txBody>
+                    <a:bodyPr/>
+                    <a:lstStyle/>
+                    <a:p>
+                      <a:pPr algn="ctr"/>
+                      <a:r>
+                        <a:rPr kumimoji="1" lang="ja-JP" altLang="en-US" sz="7200"/>
+                        <a:t>？</a:t>
+                      </a:r>
+                    </a:p>
+                  </a:txBody>
+                  <a:tcPr anchor="ctr">
+                    <a:lnB w="57150" cap="flat" cmpd="sng" algn="ctr">
+                      <a:solidFill>
+                        <a:schemeClr val="tx1"/>
+                      </a:solidFill>
+                      <a:prstDash val="solid"/>
+                      <a:round/>
+                      <a:headEnd type="none" w="med" len="med"/>
+                      <a:tailEnd type="none" w="med" len="med"/>
+                    </a:lnB>
+                  </a:tcPr>
+                </a:tc>
+                <a:tc>
+                  <a:txBody>
+                    <a:bodyPr/>
+                    <a:lstStyle/>
+                    <a:p>
+                      <a:pPr algn="ctr"/>
+                      <a:endParaRPr kumimoji="1" lang="ja-JP" altLang="en-US" sz="7200"/>
+                    </a:p>
+                  </a:txBody>
+                  <a:tcPr anchor="ctr">
+                    <a:lnR w="57150" cap="flat" cmpd="sng" algn="ctr">
+                      <a:solidFill>
+                        <a:schemeClr val="tx1"/>
+                      </a:solidFill>
+                      <a:prstDash val="solid"/>
+                      <a:round/>
+                      <a:headEnd type="none" w="med" len="med"/>
+                      <a:tailEnd type="none" w="med" len="med"/>
+                    </a:lnR>
+                    <a:lnB w="57150" cap="flat" cmpd="sng" algn="ctr">
+                      <a:solidFill>
+                        <a:schemeClr val="tx1"/>
+                      </a:solidFill>
+                      <a:prstDash val="solid"/>
+                      <a:round/>
+                      <a:headEnd type="none" w="med" len="med"/>
+                      <a:tailEnd type="none" w="med" len="med"/>
+                    </a:lnB>
+                    <a:lnTlToBr w="12700" cap="flat" cmpd="sng" algn="ctr">
+                      <a:solidFill>
+                        <a:schemeClr val="tx1"/>
+                      </a:solidFill>
+                      <a:prstDash val="solid"/>
+                      <a:round/>
+                      <a:headEnd type="none" w="med" len="med"/>
+                      <a:tailEnd type="none" w="med" len="med"/>
+                    </a:lnTlToBr>
+                  </a:tcPr>
+                </a:tc>
+                <a:extLst>
+                  <a:ext uri="{0D108BD9-81ED-4DB2-BD59-A6C34878D82A}">
+                    <a16:rowId xmlns:a16="http://schemas.microsoft.com/office/drawing/2014/main" val="2041425377"/>
+                  </a:ext>
+                </a:extLst>
+              </a:tr>
+            </a:tbl>
+          </a:graphicData>
+        </a:graphic>
+      </p:graphicFrame>
+      <p:sp>
+        <p:nvSpPr>
+          <p:cNvPr id="7" name="正方形/長方形 6">
+            <a:extLst>
+              <a:ext uri="{FF2B5EF4-FFF2-40B4-BE49-F238E27FC236}">
+                <a16:creationId xmlns:a16="http://schemas.microsoft.com/office/drawing/2014/main" id="{B784CE97-6966-433A-92F7-EED043478BB5}"/>
+              </a:ext>
+            </a:extLst>
+          </p:cNvPr>
+          <p:cNvSpPr/>
+          <p:nvPr/>
         </p:nvSpPr>
         <p:spPr>
           <a:xfrm>
-            <a:off x="838200" y="1825625"/>
-            <a:ext cx="10515600" cy="4152265"/>
-          </a:xfrm>
-        </p:spPr>
-        <p:txBody>
-          <a:bodyPr>
-            <a:normAutofit/>
-          </a:bodyPr>
-          <a:lstStyle/>
-          <a:p>
-            <a:r>
-              <a:rPr lang="en-US" altLang="ja-JP" dirty="0" err="1"/>
-              <a:t>ProVerif</a:t>
-            </a:r>
-            <a:r>
-              <a:rPr lang="ja-JP" altLang="en-US" dirty="0"/>
-              <a:t>を用いた</a:t>
-            </a:r>
-            <a:r>
-              <a:rPr lang="en-US" altLang="ja-JP" dirty="0"/>
-              <a:t>Bluetooth</a:t>
-            </a:r>
-            <a:r>
-              <a:rPr lang="ja-JP" altLang="en-US" dirty="0"/>
-              <a:t>のセキュアシンプルペアリングの 形式的検証</a:t>
-            </a:r>
-            <a:endParaRPr lang="en-US" altLang="ja-JP" dirty="0"/>
-          </a:p>
-          <a:p>
-            <a:pPr marL="0" indent="0">
-              <a:buNone/>
-            </a:pPr>
-            <a:r>
-              <a:rPr kumimoji="1" lang="en-US" altLang="ja-JP" sz="2800" dirty="0"/>
-              <a:t>[1]</a:t>
-            </a:r>
-            <a:r>
-              <a:rPr kumimoji="1" lang="ja-JP" altLang="en-US" sz="2800" dirty="0"/>
-              <a:t>横村雄太　岩本智裕　新井研一　金子敏信</a:t>
-            </a:r>
-            <a:endParaRPr kumimoji="1" lang="en-US" altLang="ja-JP" sz="2800" dirty="0"/>
-          </a:p>
-          <a:p>
-            <a:pPr marL="0" indent="0">
-              <a:buNone/>
-            </a:pPr>
-            <a:r>
-              <a:rPr lang="ja-JP" altLang="en-US" sz="2800" dirty="0"/>
-              <a:t>　　 </a:t>
-            </a:r>
-            <a:r>
-              <a:rPr lang="en-US" altLang="ja-JP" sz="2800" dirty="0"/>
-              <a:t>Computer Security Symposium 2013</a:t>
-            </a:r>
-          </a:p>
-          <a:p>
-            <a:pPr marL="0" indent="0">
-              <a:buNone/>
-            </a:pPr>
-            <a:r>
-              <a:rPr lang="en-US" altLang="ja-JP" sz="2800" dirty="0"/>
-              <a:t>      </a:t>
-            </a:r>
-            <a:r>
-              <a:rPr lang="ja-JP" altLang="en-US" sz="2800" dirty="0"/>
-              <a:t> </a:t>
-            </a:r>
-            <a:r>
-              <a:rPr lang="en-US" altLang="ja-JP" sz="2800" dirty="0"/>
-              <a:t> 21-23 October 2013</a:t>
-            </a:r>
-          </a:p>
-          <a:p>
-            <a:pPr marL="0" indent="0">
-              <a:buNone/>
-            </a:pPr>
-            <a:r>
-              <a:rPr lang="ja-JP" altLang="en-US" dirty="0"/>
-              <a:t>　　</a:t>
-            </a:r>
-            <a:endParaRPr lang="en-US" altLang="ja-JP" sz="2800" dirty="0"/>
-          </a:p>
-          <a:p>
-            <a:endParaRPr kumimoji="1" lang="ja-JP" altLang="en-US" dirty="0"/>
-          </a:p>
-        </p:txBody>
-      </p:sp>
-      <p:sp>
-        <p:nvSpPr>
-          <p:cNvPr id="5" name="テキスト ボックス 4">
-            <a:extLst>
-              <a:ext uri="{FF2B5EF4-FFF2-40B4-BE49-F238E27FC236}">
-                <a16:creationId xmlns:a16="http://schemas.microsoft.com/office/drawing/2014/main" id="{CB41A4C0-D9A2-4847-9AB9-21A641725E59}"/>
-              </a:ext>
-            </a:extLst>
-          </p:cNvPr>
-          <p:cNvSpPr txBox="1"/>
-          <p:nvPr/>
-        </p:nvSpPr>
-        <p:spPr>
-          <a:xfrm>
-            <a:off x="1257300" y="4592895"/>
-            <a:ext cx="9467850" cy="1384995"/>
+            <a:off x="6096000" y="3276600"/>
+            <a:ext cx="2609850" cy="1352550"/>
           </a:xfrm>
           <a:prstGeom prst="rect">
             <a:avLst/>
           </a:prstGeom>
           <a:noFill/>
+          <a:ln w="57150">
+            <a:solidFill>
+              <a:srgbClr val="FF0000"/>
+            </a:solidFill>
+          </a:ln>
         </p:spPr>
-        <p:txBody>
-          <a:bodyPr wrap="square" rtlCol="0">
-            <a:spAutoFit/>
-          </a:bodyPr>
-          <a:lstStyle/>
-          <a:p>
-            <a:r>
-              <a:rPr kumimoji="1" lang="en-US" altLang="ja-JP" sz="2800" dirty="0"/>
-              <a:t>Yeh</a:t>
-            </a:r>
-            <a:r>
-              <a:rPr kumimoji="1" lang="ja-JP" altLang="en-US" sz="2800" dirty="0"/>
-              <a:t>らが改良した</a:t>
-            </a:r>
-            <a:r>
-              <a:rPr kumimoji="1" lang="en-US" altLang="ja-JP" sz="2800" dirty="0"/>
-              <a:t>SSP</a:t>
-            </a:r>
-            <a:r>
-              <a:rPr kumimoji="1" lang="ja-JP" altLang="en-US" sz="2800" dirty="0"/>
-              <a:t>の</a:t>
-            </a:r>
-            <a:r>
-              <a:rPr kumimoji="1" lang="en-US" altLang="ja-JP" sz="2800" dirty="0"/>
-              <a:t>Numeric Comparison</a:t>
-            </a:r>
-            <a:r>
-              <a:rPr kumimoji="1" lang="ja-JP" altLang="en-US" sz="2800" dirty="0"/>
-              <a:t>モードを</a:t>
-            </a:r>
-            <a:r>
-              <a:rPr kumimoji="1" lang="en-US" altLang="ja-JP" sz="2800" dirty="0" err="1"/>
-              <a:t>ProVerif</a:t>
-            </a:r>
-            <a:r>
-              <a:rPr kumimoji="1" lang="ja-JP" altLang="en-US" sz="2800" dirty="0"/>
-              <a:t>を用いて検証し、中間者攻撃を発見、　　　　　改良を行った結果、中間者攻撃は不可能となった</a:t>
-            </a:r>
+        <p:style>
+          <a:lnRef idx="2">
+            <a:schemeClr val="accent2"/>
+          </a:lnRef>
+          <a:fillRef idx="1">
+            <a:schemeClr val="lt1"/>
+          </a:fillRef>
+          <a:effectRef idx="0">
+            <a:schemeClr val="accent2"/>
+          </a:effectRef>
+          <a:fontRef idx="minor">
+            <a:schemeClr val="dk1"/>
+          </a:fontRef>
+        </p:style>
+        <p:txBody>
+          <a:bodyPr rtlCol="0" anchor="ctr"/>
+          <a:lstStyle/>
+          <a:p>
+            <a:pPr algn="ctr"/>
+            <a:endParaRPr kumimoji="1" lang="ja-JP" altLang="en-US"/>
+          </a:p>
+        </p:txBody>
+      </p:sp>
+      <p:sp>
+        <p:nvSpPr>
+          <p:cNvPr id="8" name="正方形/長方形 7">
+            <a:extLst>
+              <a:ext uri="{FF2B5EF4-FFF2-40B4-BE49-F238E27FC236}">
+                <a16:creationId xmlns:a16="http://schemas.microsoft.com/office/drawing/2014/main" id="{1700B73B-10FF-425D-8C3D-583933930A19}"/>
+              </a:ext>
+            </a:extLst>
+          </p:cNvPr>
+          <p:cNvSpPr/>
+          <p:nvPr/>
+        </p:nvSpPr>
+        <p:spPr>
+          <a:xfrm>
+            <a:off x="6096000" y="4676775"/>
+            <a:ext cx="2609850" cy="1352550"/>
+          </a:xfrm>
+          <a:prstGeom prst="rect">
+            <a:avLst/>
+          </a:prstGeom>
+          <a:noFill/>
+          <a:ln w="57150">
+            <a:solidFill>
+              <a:srgbClr val="00B0F0"/>
+            </a:solidFill>
+          </a:ln>
+        </p:spPr>
+        <p:style>
+          <a:lnRef idx="2">
+            <a:schemeClr val="accent2"/>
+          </a:lnRef>
+          <a:fillRef idx="1">
+            <a:schemeClr val="lt1"/>
+          </a:fillRef>
+          <a:effectRef idx="0">
+            <a:schemeClr val="accent2"/>
+          </a:effectRef>
+          <a:fontRef idx="minor">
+            <a:schemeClr val="dk1"/>
+          </a:fontRef>
+        </p:style>
+        <p:txBody>
+          <a:bodyPr rtlCol="0" anchor="ctr"/>
+          <a:lstStyle/>
+          <a:p>
+            <a:pPr algn="ctr"/>
+            <a:endParaRPr kumimoji="1" lang="ja-JP" altLang="en-US"/>
           </a:p>
         </p:txBody>
       </p:sp>
     </p:spTree>
     <p:extLst>
       <p:ext uri="{BB962C8B-B14F-4D97-AF65-F5344CB8AC3E}">
-        <p14:creationId xmlns:p14="http://schemas.microsoft.com/office/powerpoint/2010/main" val="1007562759"/>
+        <p14:creationId xmlns:p14="http://schemas.microsoft.com/office/powerpoint/2010/main" val="1515491638"/>
       </p:ext>
     </p:extLst>
   </p:cSld>
